--- a/stonehengeChromely.pptx
+++ b/stonehengeChromely.pptx
@@ -9,9 +9,10 @@
     <p:sldId id="257" r:id="rId3"/>
     <p:sldId id="258" r:id="rId4"/>
     <p:sldId id="259" r:id="rId5"/>
-    <p:sldId id="262" r:id="rId6"/>
-    <p:sldId id="260" r:id="rId7"/>
-    <p:sldId id="261" r:id="rId8"/>
+    <p:sldId id="263" r:id="rId6"/>
+    <p:sldId id="262" r:id="rId7"/>
+    <p:sldId id="260" r:id="rId8"/>
+    <p:sldId id="261" r:id="rId9"/>
   </p:sldIdLst>
   <p:sldSz cx="12192000" cy="6858000"/>
   <p:notesSz cx="6858000" cy="9144000"/>
@@ -110,6 +111,11 @@
       </a:defRPr>
     </a:lvl9pPr>
   </p:defaultTextStyle>
+  <p:extLst>
+    <p:ext uri="{EFAFB233-063F-42B5-8137-9DF3F51BA10A}">
+      <p15:sldGuideLst xmlns:p15="http://schemas.microsoft.com/office/powerpoint/2012/main"/>
+    </p:ext>
+  </p:extLst>
 </p:presentation>
 </file>
 
@@ -260,7 +266,7 @@
           <a:p>
             <a:fld id="{79FE5C41-353F-4262-932C-7692C85C322C}" type="datetimeFigureOut">
               <a:rPr lang="de-DE" smtClean="0"/>
-              <a:t>15.05.2019</a:t>
+              <a:t>22.05.2019</a:t>
             </a:fld>
             <a:endParaRPr lang="de-DE"/>
           </a:p>
@@ -458,7 +464,7 @@
           <a:p>
             <a:fld id="{79FE5C41-353F-4262-932C-7692C85C322C}" type="datetimeFigureOut">
               <a:rPr lang="de-DE" smtClean="0"/>
-              <a:t>15.05.2019</a:t>
+              <a:t>22.05.2019</a:t>
             </a:fld>
             <a:endParaRPr lang="de-DE"/>
           </a:p>
@@ -666,7 +672,7 @@
           <a:p>
             <a:fld id="{79FE5C41-353F-4262-932C-7692C85C322C}" type="datetimeFigureOut">
               <a:rPr lang="de-DE" smtClean="0"/>
-              <a:t>15.05.2019</a:t>
+              <a:t>22.05.2019</a:t>
             </a:fld>
             <a:endParaRPr lang="de-DE"/>
           </a:p>
@@ -864,7 +870,7 @@
           <a:p>
             <a:fld id="{79FE5C41-353F-4262-932C-7692C85C322C}" type="datetimeFigureOut">
               <a:rPr lang="de-DE" smtClean="0"/>
-              <a:t>15.05.2019</a:t>
+              <a:t>22.05.2019</a:t>
             </a:fld>
             <a:endParaRPr lang="de-DE"/>
           </a:p>
@@ -1139,7 +1145,7 @@
           <a:p>
             <a:fld id="{79FE5C41-353F-4262-932C-7692C85C322C}" type="datetimeFigureOut">
               <a:rPr lang="de-DE" smtClean="0"/>
-              <a:t>15.05.2019</a:t>
+              <a:t>22.05.2019</a:t>
             </a:fld>
             <a:endParaRPr lang="de-DE"/>
           </a:p>
@@ -1404,7 +1410,7 @@
           <a:p>
             <a:fld id="{79FE5C41-353F-4262-932C-7692C85C322C}" type="datetimeFigureOut">
               <a:rPr lang="de-DE" smtClean="0"/>
-              <a:t>15.05.2019</a:t>
+              <a:t>22.05.2019</a:t>
             </a:fld>
             <a:endParaRPr lang="de-DE"/>
           </a:p>
@@ -1816,7 +1822,7 @@
           <a:p>
             <a:fld id="{79FE5C41-353F-4262-932C-7692C85C322C}" type="datetimeFigureOut">
               <a:rPr lang="de-DE" smtClean="0"/>
-              <a:t>15.05.2019</a:t>
+              <a:t>22.05.2019</a:t>
             </a:fld>
             <a:endParaRPr lang="de-DE"/>
           </a:p>
@@ -1957,7 +1963,7 @@
           <a:p>
             <a:fld id="{79FE5C41-353F-4262-932C-7692C85C322C}" type="datetimeFigureOut">
               <a:rPr lang="de-DE" smtClean="0"/>
-              <a:t>15.05.2019</a:t>
+              <a:t>22.05.2019</a:t>
             </a:fld>
             <a:endParaRPr lang="de-DE"/>
           </a:p>
@@ -2070,7 +2076,7 @@
           <a:p>
             <a:fld id="{79FE5C41-353F-4262-932C-7692C85C322C}" type="datetimeFigureOut">
               <a:rPr lang="de-DE" smtClean="0"/>
-              <a:t>15.05.2019</a:t>
+              <a:t>22.05.2019</a:t>
             </a:fld>
             <a:endParaRPr lang="de-DE"/>
           </a:p>
@@ -2381,7 +2387,7 @@
           <a:p>
             <a:fld id="{79FE5C41-353F-4262-932C-7692C85C322C}" type="datetimeFigureOut">
               <a:rPr lang="de-DE" smtClean="0"/>
-              <a:t>15.05.2019</a:t>
+              <a:t>22.05.2019</a:t>
             </a:fld>
             <a:endParaRPr lang="de-DE"/>
           </a:p>
@@ -2669,7 +2675,7 @@
           <a:p>
             <a:fld id="{79FE5C41-353F-4262-932C-7692C85C322C}" type="datetimeFigureOut">
               <a:rPr lang="de-DE" smtClean="0"/>
-              <a:t>15.05.2019</a:t>
+              <a:t>22.05.2019</a:t>
             </a:fld>
             <a:endParaRPr lang="de-DE"/>
           </a:p>
@@ -2910,7 +2916,7 @@
           <a:p>
             <a:fld id="{79FE5C41-353F-4262-932C-7692C85C322C}" type="datetimeFigureOut">
               <a:rPr lang="de-DE" smtClean="0"/>
-              <a:t>15.05.2019</a:t>
+              <a:t>22.05.2019</a:t>
             </a:fld>
             <a:endParaRPr lang="de-DE"/>
           </a:p>
@@ -3379,23 +3385,38 @@
           <a:p>
             <a:r>
               <a:rPr lang="de-DE" dirty="0"/>
-              <a:t>UI </a:t>
+              <a:t>support </a:t>
             </a:r>
             <a:r>
               <a:rPr lang="de-DE" dirty="0" err="1"/>
-              <a:t>with</a:t>
+              <a:t>cross-platform</a:t>
             </a:r>
             <a:r>
               <a:rPr lang="de-DE" dirty="0"/>
-              <a:t> x-</a:t>
+              <a:t> </a:t>
             </a:r>
             <a:r>
               <a:rPr lang="de-DE" dirty="0" err="1"/>
-              <a:t>plat</a:t>
+              <a:t>desktop</a:t>
             </a:r>
             <a:r>
               <a:rPr lang="de-DE" dirty="0"/>
-              <a:t> support</a:t>
+              <a:t> </a:t>
+            </a:r>
+            <a:r>
+              <a:rPr lang="de-DE" dirty="0" err="1"/>
+              <a:t>applications</a:t>
+            </a:r>
+            <a:endParaRPr lang="de-DE" dirty="0"/>
+          </a:p>
+          <a:p>
+            <a:r>
+              <a:rPr lang="de-DE" dirty="0" err="1"/>
+              <a:t>written</a:t>
+            </a:r>
+            <a:r>
+              <a:rPr lang="de-DE" dirty="0"/>
+              <a:t> in pure C#</a:t>
             </a:r>
           </a:p>
         </p:txBody>
@@ -3480,11 +3501,53 @@
           <a:lstStyle/>
           <a:p>
             <a:r>
+              <a:rPr lang="de-DE" b="1" dirty="0"/>
+              <a:t>1992</a:t>
+            </a:r>
+            <a:r>
               <a:rPr lang="de-DE" dirty="0"/>
-              <a:t>MFC (C++)</a:t>
-            </a:r>
-          </a:p>
-          <a:p>
+              <a:t> - MFC (Microsoft </a:t>
+            </a:r>
+            <a:r>
+              <a:rPr lang="de-DE" dirty="0" err="1"/>
+              <a:t>Foundation</a:t>
+            </a:r>
+            <a:r>
+              <a:rPr lang="de-DE" dirty="0"/>
+              <a:t> </a:t>
+            </a:r>
+            <a:r>
+              <a:rPr lang="de-DE" dirty="0" err="1"/>
+              <a:t>Classes</a:t>
+            </a:r>
+            <a:r>
+              <a:rPr lang="de-DE" dirty="0"/>
+              <a:t>)</a:t>
+            </a:r>
+          </a:p>
+          <a:p>
+            <a:pPr lvl="1"/>
+            <a:r>
+              <a:rPr lang="de-DE" dirty="0"/>
+              <a:t>C++</a:t>
+            </a:r>
+          </a:p>
+          <a:p>
+            <a:pPr lvl="1"/>
+            <a:r>
+              <a:rPr lang="de-DE" dirty="0"/>
+              <a:t> Abwandlung des Model-View-Controller-Architekturmusters</a:t>
+            </a:r>
+          </a:p>
+          <a:p>
+            <a:r>
+              <a:rPr lang="de-DE" b="1" dirty="0"/>
+              <a:t>2002</a:t>
+            </a:r>
+            <a:r>
+              <a:rPr lang="de-DE" dirty="0"/>
+              <a:t> - </a:t>
+            </a:r>
             <a:r>
               <a:rPr lang="de-DE" dirty="0" err="1"/>
               <a:t>WinForms</a:t>
@@ -3492,9 +3555,41 @@
             <a:endParaRPr lang="de-DE" dirty="0"/>
           </a:p>
           <a:p>
+            <a:pPr lvl="1"/>
             <a:r>
               <a:rPr lang="de-DE" dirty="0"/>
-              <a:t>WPF</a:t>
+              <a:t>Mit .NET Framework</a:t>
+            </a:r>
+          </a:p>
+          <a:p>
+            <a:pPr lvl="1"/>
+            <a:r>
+              <a:rPr lang="de-DE" dirty="0"/>
+              <a:t>Code Behind</a:t>
+            </a:r>
+          </a:p>
+          <a:p>
+            <a:r>
+              <a:rPr lang="de-DE" b="1" dirty="0"/>
+              <a:t>2006</a:t>
+            </a:r>
+            <a:r>
+              <a:rPr lang="de-DE" dirty="0"/>
+              <a:t> - WPF</a:t>
+            </a:r>
+          </a:p>
+          <a:p>
+            <a:pPr lvl="1"/>
+            <a:r>
+              <a:rPr lang="de-DE" dirty="0"/>
+              <a:t>Ab .NET 3.0</a:t>
+            </a:r>
+          </a:p>
+          <a:p>
+            <a:pPr lvl="1"/>
+            <a:r>
+              <a:rPr lang="de-DE" dirty="0"/>
+              <a:t>MVVM (Model-View-ViewModel)</a:t>
             </a:r>
           </a:p>
         </p:txBody>
@@ -3728,7 +3823,7 @@
           <p:cNvPr id="2" name="Titel 1">
             <a:extLst>
               <a:ext uri="{FF2B5EF4-FFF2-40B4-BE49-F238E27FC236}">
-                <a16:creationId xmlns:a16="http://schemas.microsoft.com/office/drawing/2014/main" id="{7E44C920-458D-4B65-9E57-2FB1377E676A}"/>
+                <a16:creationId xmlns:a16="http://schemas.microsoft.com/office/drawing/2014/main" id="{DE33DB44-5BA7-4CF5-99FF-B3966E2E1836}"/>
               </a:ext>
             </a:extLst>
           </p:cNvPr>
@@ -3746,7 +3841,7 @@
           <a:p>
             <a:r>
               <a:rPr lang="de-DE" dirty="0"/>
-              <a:t>MVVM</a:t>
+              <a:t>Andere Projekte</a:t>
             </a:r>
           </a:p>
         </p:txBody>
@@ -3756,7 +3851,7 @@
           <p:cNvPr id="3" name="Inhaltsplatzhalter 2">
             <a:extLst>
               <a:ext uri="{FF2B5EF4-FFF2-40B4-BE49-F238E27FC236}">
-                <a16:creationId xmlns:a16="http://schemas.microsoft.com/office/drawing/2014/main" id="{D8823B79-103A-41E0-A0C8-D2F9CF436E40}"/>
+                <a16:creationId xmlns:a16="http://schemas.microsoft.com/office/drawing/2014/main" id="{EC99FC0D-0AF8-4F25-A811-62F74EE3300C}"/>
               </a:ext>
             </a:extLst>
           </p:cNvPr>
@@ -3767,19 +3862,140 @@
             <p:ph idx="1"/>
           </p:nvPr>
         </p:nvSpPr>
-        <p:spPr/>
-        <p:txBody>
-          <a:bodyPr/>
-          <a:lstStyle/>
-          <a:p>
-            <a:endParaRPr lang="de-DE"/>
+        <p:spPr>
+          <a:xfrm>
+            <a:off x="838200" y="1825625"/>
+            <a:ext cx="10515600" cy="4351338"/>
+          </a:xfrm>
+        </p:spPr>
+        <p:txBody>
+          <a:bodyPr>
+            <a:normAutofit lnSpcReduction="10000"/>
+          </a:bodyPr>
+          <a:lstStyle/>
+          <a:p>
+            <a:pPr marL="0" indent="0">
+              <a:buNone/>
+            </a:pPr>
+            <a:r>
+              <a:rPr lang="de-DE" b="1" dirty="0"/>
+              <a:t>XAML</a:t>
+            </a:r>
+          </a:p>
+          <a:p>
+            <a:r>
+              <a:rPr lang="de-DE" b="1" dirty="0" err="1"/>
+              <a:t>Avalonia</a:t>
+            </a:r>
+            <a:r>
+              <a:rPr lang="de-DE" b="1" dirty="0"/>
+              <a:t> - </a:t>
+            </a:r>
+            <a:r>
+              <a:rPr lang="de-DE" dirty="0">
+                <a:hlinkClick r:id="rId2"/>
+              </a:rPr>
+              <a:t>http://avaloniaui.net/</a:t>
+            </a:r>
+            <a:endParaRPr lang="de-DE" dirty="0"/>
+          </a:p>
+          <a:p>
+            <a:r>
+              <a:rPr lang="de-DE" b="1" dirty="0" err="1"/>
+              <a:t>OmniGUI</a:t>
+            </a:r>
+            <a:r>
+              <a:rPr lang="de-DE" b="1" dirty="0"/>
+              <a:t> - </a:t>
+            </a:r>
+            <a:r>
+              <a:rPr lang="de-DE" dirty="0">
+                <a:hlinkClick r:id="rId3"/>
+              </a:rPr>
+              <a:t>https://github.com/OmniGUI/OmniGUI</a:t>
+            </a:r>
+            <a:endParaRPr lang="de-DE" dirty="0"/>
+          </a:p>
+          <a:p>
+            <a:endParaRPr lang="de-DE" b="1" dirty="0"/>
+          </a:p>
+          <a:p>
+            <a:pPr marL="0" indent="0">
+              <a:buNone/>
+            </a:pPr>
+            <a:endParaRPr lang="de-DE" b="1" dirty="0"/>
+          </a:p>
+          <a:p>
+            <a:pPr marL="0" indent="0">
+              <a:buNone/>
+            </a:pPr>
+            <a:r>
+              <a:rPr lang="de-DE" b="1" dirty="0"/>
+              <a:t>HTML</a:t>
+            </a:r>
+          </a:p>
+          <a:p>
+            <a:r>
+              <a:rPr lang="de-DE" b="1" dirty="0" err="1"/>
+              <a:t>Electron</a:t>
+            </a:r>
+            <a:r>
+              <a:rPr lang="de-DE" b="1" dirty="0"/>
+              <a:t> - </a:t>
+            </a:r>
+            <a:r>
+              <a:rPr lang="de-DE" dirty="0">
+                <a:hlinkClick r:id="rId4"/>
+              </a:rPr>
+              <a:t>https://electronjs.org/ </a:t>
+            </a:r>
+            <a:endParaRPr lang="de-DE" dirty="0"/>
+          </a:p>
+          <a:p>
+            <a:r>
+              <a:rPr lang="de-DE" b="1" dirty="0"/>
+              <a:t>Electron.NET - </a:t>
+            </a:r>
+            <a:r>
+              <a:rPr lang="de-DE" dirty="0">
+                <a:hlinkClick r:id="rId5"/>
+              </a:rPr>
+              <a:t>https://github.com/ElectronNET/Electron.NET</a:t>
+            </a:r>
+            <a:endParaRPr lang="de-DE" dirty="0"/>
+          </a:p>
+          <a:p>
+            <a:r>
+              <a:rPr lang="de-DE" b="1" dirty="0" err="1"/>
+              <a:t>Blazor</a:t>
+            </a:r>
+            <a:r>
+              <a:rPr lang="de-DE" b="1" dirty="0"/>
+              <a:t> - </a:t>
+            </a:r>
+            <a:r>
+              <a:rPr lang="de-DE" dirty="0">
+                <a:hlinkClick r:id="rId6"/>
+              </a:rPr>
+              <a:t>http://blazot.net/</a:t>
+            </a:r>
+            <a:endParaRPr lang="de-DE" b="1" dirty="0"/>
+          </a:p>
+          <a:p>
+            <a:endParaRPr lang="de-DE" dirty="0"/>
+          </a:p>
+          <a:p>
+            <a:endParaRPr lang="de-DE" dirty="0"/>
+          </a:p>
+          <a:p>
+            <a:endParaRPr lang="de-DE" dirty="0"/>
           </a:p>
         </p:txBody>
       </p:sp>
     </p:spTree>
     <p:extLst>
       <p:ext uri="{BB962C8B-B14F-4D97-AF65-F5344CB8AC3E}">
-        <p14:creationId xmlns:p14="http://schemas.microsoft.com/office/powerpoint/2010/main" val="1468222930"/>
+        <p14:creationId xmlns:p14="http://schemas.microsoft.com/office/powerpoint/2010/main" val="2909536148"/>
       </p:ext>
     </p:extLst>
   </p:cSld>
@@ -3811,6 +4027,155 @@
           <p:cNvPr id="2" name="Titel 1">
             <a:extLst>
               <a:ext uri="{FF2B5EF4-FFF2-40B4-BE49-F238E27FC236}">
+                <a16:creationId xmlns:a16="http://schemas.microsoft.com/office/drawing/2014/main" id="{7E44C920-458D-4B65-9E57-2FB1377E676A}"/>
+              </a:ext>
+            </a:extLst>
+          </p:cNvPr>
+          <p:cNvSpPr>
+            <a:spLocks noGrp="1"/>
+          </p:cNvSpPr>
+          <p:nvPr>
+            <p:ph type="title"/>
+          </p:nvPr>
+        </p:nvSpPr>
+        <p:spPr/>
+        <p:txBody>
+          <a:bodyPr/>
+          <a:lstStyle/>
+          <a:p>
+            <a:r>
+              <a:rPr lang="de-DE" dirty="0"/>
+              <a:t>MVVM</a:t>
+            </a:r>
+          </a:p>
+        </p:txBody>
+      </p:sp>
+      <p:pic>
+        <p:nvPicPr>
+          <p:cNvPr id="1026" name="Picture 2" descr="https://upload.wikimedia.org/wikipedia/commons/8/87/MVVMPattern.png">
+            <a:extLst>
+              <a:ext uri="{FF2B5EF4-FFF2-40B4-BE49-F238E27FC236}">
+                <a16:creationId xmlns:a16="http://schemas.microsoft.com/office/drawing/2014/main" id="{10A7CCF3-E21F-41A2-B7DA-9FD5CE5397FE}"/>
+              </a:ext>
+            </a:extLst>
+          </p:cNvPr>
+          <p:cNvPicPr>
+            <a:picLocks noGrp="1" noChangeAspect="1" noChangeArrowheads="1"/>
+          </p:cNvPicPr>
+          <p:nvPr>
+            <p:ph idx="1"/>
+          </p:nvPr>
+        </p:nvPicPr>
+        <p:blipFill>
+          <a:blip r:embed="rId2">
+            <a:extLst>
+              <a:ext uri="{28A0092B-C50C-407E-A947-70E740481C1C}">
+                <a14:useLocalDpi xmlns:a14="http://schemas.microsoft.com/office/drawing/2010/main" val="0"/>
+              </a:ext>
+            </a:extLst>
+          </a:blip>
+          <a:srcRect/>
+          <a:stretch>
+            <a:fillRect/>
+          </a:stretch>
+        </p:blipFill>
+        <p:spPr bwMode="auto">
+          <a:xfrm>
+            <a:off x="2319642" y="1888322"/>
+            <a:ext cx="7344800" cy="2210108"/>
+          </a:xfrm>
+          <a:prstGeom prst="rect">
+            <a:avLst/>
+          </a:prstGeom>
+          <a:noFill/>
+          <a:extLst>
+            <a:ext uri="{909E8E84-426E-40DD-AFC4-6F175D3DCCD1}">
+              <a14:hiddenFill xmlns:a14="http://schemas.microsoft.com/office/drawing/2010/main">
+                <a:solidFill>
+                  <a:srgbClr val="FFFFFF"/>
+                </a:solidFill>
+              </a14:hiddenFill>
+            </a:ext>
+          </a:extLst>
+        </p:spPr>
+      </p:pic>
+      <p:sp>
+        <p:nvSpPr>
+          <p:cNvPr id="4" name="Textfeld 3">
+            <a:extLst>
+              <a:ext uri="{FF2B5EF4-FFF2-40B4-BE49-F238E27FC236}">
+                <a16:creationId xmlns:a16="http://schemas.microsoft.com/office/drawing/2014/main" id="{9D736F0F-D004-4F91-9051-C98BC18229BF}"/>
+              </a:ext>
+            </a:extLst>
+          </p:cNvPr>
+          <p:cNvSpPr txBox="1"/>
+          <p:nvPr/>
+        </p:nvSpPr>
+        <p:spPr>
+          <a:xfrm>
+            <a:off x="5992042" y="6308209"/>
+            <a:ext cx="6126742" cy="369332"/>
+          </a:xfrm>
+          <a:prstGeom prst="rect">
+            <a:avLst/>
+          </a:prstGeom>
+          <a:noFill/>
+        </p:spPr>
+        <p:txBody>
+          <a:bodyPr wrap="none" rtlCol="0">
+            <a:spAutoFit/>
+          </a:bodyPr>
+          <a:lstStyle/>
+          <a:p>
+            <a:r>
+              <a:rPr lang="de-DE" dirty="0"/>
+              <a:t>Quelle: </a:t>
+            </a:r>
+            <a:r>
+              <a:rPr lang="de-DE" dirty="0">
+                <a:hlinkClick r:id="rId3"/>
+              </a:rPr>
+              <a:t>https://de.wikipedia.org/wiki/Model_View_ViewModel</a:t>
+            </a:r>
+            <a:endParaRPr lang="de-DE" dirty="0"/>
+          </a:p>
+        </p:txBody>
+      </p:sp>
+    </p:spTree>
+    <p:extLst>
+      <p:ext uri="{BB962C8B-B14F-4D97-AF65-F5344CB8AC3E}">
+        <p14:creationId xmlns:p14="http://schemas.microsoft.com/office/powerpoint/2010/main" val="1468222930"/>
+      </p:ext>
+    </p:extLst>
+  </p:cSld>
+  <p:clrMapOvr>
+    <a:masterClrMapping/>
+  </p:clrMapOvr>
+</p:sld>
+</file>
+
+<file path=ppt/slides/slide7.xml><?xml version="1.0" encoding="utf-8"?>
+<p:sld xmlns:a="http://schemas.openxmlformats.org/drawingml/2006/main" xmlns:r="http://schemas.openxmlformats.org/officeDocument/2006/relationships" xmlns:p="http://schemas.openxmlformats.org/presentationml/2006/main">
+  <p:cSld>
+    <p:spTree>
+      <p:nvGrpSpPr>
+        <p:cNvPr id="1" name=""/>
+        <p:cNvGrpSpPr/>
+        <p:nvPr/>
+      </p:nvGrpSpPr>
+      <p:grpSpPr>
+        <a:xfrm>
+          <a:off x="0" y="0"/>
+          <a:ext cx="0" cy="0"/>
+          <a:chOff x="0" y="0"/>
+          <a:chExt cx="0" cy="0"/>
+        </a:xfrm>
+      </p:grpSpPr>
+      <p:sp>
+        <p:nvSpPr>
+          <p:cNvPr id="2" name="Titel 1">
+            <a:extLst>
+              <a:ext uri="{FF2B5EF4-FFF2-40B4-BE49-F238E27FC236}">
                 <a16:creationId xmlns:a16="http://schemas.microsoft.com/office/drawing/2014/main" id="{4A3A0213-0994-43DE-9102-0ADE1836A366}"/>
               </a:ext>
             </a:extLst>
@@ -3885,7 +4250,7 @@
 </p:sld>
 </file>
 
-<file path=ppt/slides/slide7.xml><?xml version="1.0" encoding="utf-8"?>
+<file path=ppt/slides/slide8.xml><?xml version="1.0" encoding="utf-8"?>
 <p:sld xmlns:a="http://schemas.openxmlformats.org/drawingml/2006/main" xmlns:r="http://schemas.openxmlformats.org/officeDocument/2006/relationships" xmlns:p="http://schemas.openxmlformats.org/presentationml/2006/main">
   <p:cSld>
     <p:spTree>

--- a/stonehengeChromely.pptx
+++ b/stonehengeChromely.pptx
@@ -4,6 +4,9 @@
   <p:sldMasterIdLst>
     <p:sldMasterId id="2147483648" r:id="rId1"/>
   </p:sldMasterIdLst>
+  <p:notesMasterIdLst>
+    <p:notesMasterId r:id="rId11"/>
+  </p:notesMasterIdLst>
   <p:sldIdLst>
     <p:sldId id="256" r:id="rId2"/>
     <p:sldId id="257" r:id="rId3"/>
@@ -11,8 +14,9 @@
     <p:sldId id="259" r:id="rId5"/>
     <p:sldId id="263" r:id="rId6"/>
     <p:sldId id="262" r:id="rId7"/>
-    <p:sldId id="260" r:id="rId8"/>
-    <p:sldId id="261" r:id="rId9"/>
+    <p:sldId id="264" r:id="rId8"/>
+    <p:sldId id="260" r:id="rId9"/>
+    <p:sldId id="261" r:id="rId10"/>
   </p:sldIdLst>
   <p:sldSz cx="12192000" cy="6858000"/>
   <p:notesSz cx="6858000" cy="9144000"/>
@@ -119,6 +123,579 @@
 </p:presentation>
 </file>
 
+<file path=ppt/notesMasters/notesMaster1.xml><?xml version="1.0" encoding="utf-8"?>
+<p:notesMaster xmlns:a="http://schemas.openxmlformats.org/drawingml/2006/main" xmlns:r="http://schemas.openxmlformats.org/officeDocument/2006/relationships" xmlns:p="http://schemas.openxmlformats.org/presentationml/2006/main">
+  <p:cSld>
+    <p:bg>
+      <p:bgRef idx="1001">
+        <a:schemeClr val="bg1"/>
+      </p:bgRef>
+    </p:bg>
+    <p:spTree>
+      <p:nvGrpSpPr>
+        <p:cNvPr id="1" name=""/>
+        <p:cNvGrpSpPr/>
+        <p:nvPr/>
+      </p:nvGrpSpPr>
+      <p:grpSpPr>
+        <a:xfrm>
+          <a:off x="0" y="0"/>
+          <a:ext cx="0" cy="0"/>
+          <a:chOff x="0" y="0"/>
+          <a:chExt cx="0" cy="0"/>
+        </a:xfrm>
+      </p:grpSpPr>
+      <p:sp>
+        <p:nvSpPr>
+          <p:cNvPr id="2" name="Kopfzeilenplatzhalter 1"/>
+          <p:cNvSpPr>
+            <a:spLocks noGrp="1"/>
+          </p:cNvSpPr>
+          <p:nvPr>
+            <p:ph type="hdr" sz="quarter"/>
+          </p:nvPr>
+        </p:nvSpPr>
+        <p:spPr>
+          <a:xfrm>
+            <a:off x="0" y="0"/>
+            <a:ext cx="2971800" cy="458788"/>
+          </a:xfrm>
+          <a:prstGeom prst="rect">
+            <a:avLst/>
+          </a:prstGeom>
+        </p:spPr>
+        <p:txBody>
+          <a:bodyPr vert="horz" lIns="91440" tIns="45720" rIns="91440" bIns="45720" rtlCol="0"/>
+          <a:lstStyle>
+            <a:lvl1pPr algn="l">
+              <a:defRPr sz="1200"/>
+            </a:lvl1pPr>
+          </a:lstStyle>
+          <a:p>
+            <a:endParaRPr lang="de-DE"/>
+          </a:p>
+        </p:txBody>
+      </p:sp>
+      <p:sp>
+        <p:nvSpPr>
+          <p:cNvPr id="3" name="Datumsplatzhalter 2"/>
+          <p:cNvSpPr>
+            <a:spLocks noGrp="1"/>
+          </p:cNvSpPr>
+          <p:nvPr>
+            <p:ph type="dt" idx="1"/>
+          </p:nvPr>
+        </p:nvSpPr>
+        <p:spPr>
+          <a:xfrm>
+            <a:off x="3884613" y="0"/>
+            <a:ext cx="2971800" cy="458788"/>
+          </a:xfrm>
+          <a:prstGeom prst="rect">
+            <a:avLst/>
+          </a:prstGeom>
+        </p:spPr>
+        <p:txBody>
+          <a:bodyPr vert="horz" lIns="91440" tIns="45720" rIns="91440" bIns="45720" rtlCol="0"/>
+          <a:lstStyle>
+            <a:lvl1pPr algn="r">
+              <a:defRPr sz="1200"/>
+            </a:lvl1pPr>
+          </a:lstStyle>
+          <a:p>
+            <a:fld id="{48876805-D814-49AD-A4D2-A14BF4375319}" type="datetimeFigureOut">
+              <a:rPr lang="de-DE" smtClean="0"/>
+              <a:t>08.06.2019</a:t>
+            </a:fld>
+            <a:endParaRPr lang="de-DE"/>
+          </a:p>
+        </p:txBody>
+      </p:sp>
+      <p:sp>
+        <p:nvSpPr>
+          <p:cNvPr id="4" name="Folienbildplatzhalter 3"/>
+          <p:cNvSpPr>
+            <a:spLocks noGrp="1" noRot="1" noChangeAspect="1"/>
+          </p:cNvSpPr>
+          <p:nvPr>
+            <p:ph type="sldImg" idx="2"/>
+          </p:nvPr>
+        </p:nvSpPr>
+        <p:spPr>
+          <a:xfrm>
+            <a:off x="685800" y="1143000"/>
+            <a:ext cx="5486400" cy="3086100"/>
+          </a:xfrm>
+          <a:prstGeom prst="rect">
+            <a:avLst/>
+          </a:prstGeom>
+          <a:noFill/>
+          <a:ln w="12700">
+            <a:solidFill>
+              <a:prstClr val="black"/>
+            </a:solidFill>
+          </a:ln>
+        </p:spPr>
+        <p:txBody>
+          <a:bodyPr vert="horz" lIns="91440" tIns="45720" rIns="91440" bIns="45720" rtlCol="0" anchor="ctr"/>
+          <a:lstStyle/>
+          <a:p>
+            <a:endParaRPr lang="de-DE"/>
+          </a:p>
+        </p:txBody>
+      </p:sp>
+      <p:sp>
+        <p:nvSpPr>
+          <p:cNvPr id="5" name="Notizenplatzhalter 4"/>
+          <p:cNvSpPr>
+            <a:spLocks noGrp="1"/>
+          </p:cNvSpPr>
+          <p:nvPr>
+            <p:ph type="body" sz="quarter" idx="3"/>
+          </p:nvPr>
+        </p:nvSpPr>
+        <p:spPr>
+          <a:xfrm>
+            <a:off x="685800" y="4400550"/>
+            <a:ext cx="5486400" cy="3600450"/>
+          </a:xfrm>
+          <a:prstGeom prst="rect">
+            <a:avLst/>
+          </a:prstGeom>
+        </p:spPr>
+        <p:txBody>
+          <a:bodyPr vert="horz" lIns="91440" tIns="45720" rIns="91440" bIns="45720" rtlCol="0"/>
+          <a:lstStyle/>
+          <a:p>
+            <a:pPr lvl="0"/>
+            <a:r>
+              <a:rPr lang="de-DE"/>
+              <a:t>Mastertextformat bearbeiten</a:t>
+            </a:r>
+          </a:p>
+          <a:p>
+            <a:pPr lvl="1"/>
+            <a:r>
+              <a:rPr lang="de-DE"/>
+              <a:t>Zweite Ebene</a:t>
+            </a:r>
+          </a:p>
+          <a:p>
+            <a:pPr lvl="2"/>
+            <a:r>
+              <a:rPr lang="de-DE"/>
+              <a:t>Dritte Ebene</a:t>
+            </a:r>
+          </a:p>
+          <a:p>
+            <a:pPr lvl="3"/>
+            <a:r>
+              <a:rPr lang="de-DE"/>
+              <a:t>Vierte Ebene</a:t>
+            </a:r>
+          </a:p>
+          <a:p>
+            <a:pPr lvl="4"/>
+            <a:r>
+              <a:rPr lang="de-DE"/>
+              <a:t>Fünfte Ebene</a:t>
+            </a:r>
+          </a:p>
+        </p:txBody>
+      </p:sp>
+      <p:sp>
+        <p:nvSpPr>
+          <p:cNvPr id="6" name="Fußzeilenplatzhalter 5"/>
+          <p:cNvSpPr>
+            <a:spLocks noGrp="1"/>
+          </p:cNvSpPr>
+          <p:nvPr>
+            <p:ph type="ftr" sz="quarter" idx="4"/>
+          </p:nvPr>
+        </p:nvSpPr>
+        <p:spPr>
+          <a:xfrm>
+            <a:off x="0" y="8685213"/>
+            <a:ext cx="2971800" cy="458787"/>
+          </a:xfrm>
+          <a:prstGeom prst="rect">
+            <a:avLst/>
+          </a:prstGeom>
+        </p:spPr>
+        <p:txBody>
+          <a:bodyPr vert="horz" lIns="91440" tIns="45720" rIns="91440" bIns="45720" rtlCol="0" anchor="b"/>
+          <a:lstStyle>
+            <a:lvl1pPr algn="l">
+              <a:defRPr sz="1200"/>
+            </a:lvl1pPr>
+          </a:lstStyle>
+          <a:p>
+            <a:endParaRPr lang="de-DE"/>
+          </a:p>
+        </p:txBody>
+      </p:sp>
+      <p:sp>
+        <p:nvSpPr>
+          <p:cNvPr id="7" name="Foliennummernplatzhalter 6"/>
+          <p:cNvSpPr>
+            <a:spLocks noGrp="1"/>
+          </p:cNvSpPr>
+          <p:nvPr>
+            <p:ph type="sldNum" sz="quarter" idx="5"/>
+          </p:nvPr>
+        </p:nvSpPr>
+        <p:spPr>
+          <a:xfrm>
+            <a:off x="3884613" y="8685213"/>
+            <a:ext cx="2971800" cy="458787"/>
+          </a:xfrm>
+          <a:prstGeom prst="rect">
+            <a:avLst/>
+          </a:prstGeom>
+        </p:spPr>
+        <p:txBody>
+          <a:bodyPr vert="horz" lIns="91440" tIns="45720" rIns="91440" bIns="45720" rtlCol="0" anchor="b"/>
+          <a:lstStyle>
+            <a:lvl1pPr algn="r">
+              <a:defRPr sz="1200"/>
+            </a:lvl1pPr>
+          </a:lstStyle>
+          <a:p>
+            <a:fld id="{C14B8083-629E-482F-B439-E9A81033C764}" type="slidenum">
+              <a:rPr lang="de-DE" smtClean="0"/>
+              <a:t>‹Nr.›</a:t>
+            </a:fld>
+            <a:endParaRPr lang="de-DE"/>
+          </a:p>
+        </p:txBody>
+      </p:sp>
+    </p:spTree>
+    <p:extLst>
+      <p:ext uri="{BB962C8B-B14F-4D97-AF65-F5344CB8AC3E}">
+        <p14:creationId xmlns:p14="http://schemas.microsoft.com/office/powerpoint/2010/main" val="1211933983"/>
+      </p:ext>
+    </p:extLst>
+  </p:cSld>
+  <p:clrMap bg1="lt1" tx1="dk1" bg2="lt2" tx2="dk2" accent1="accent1" accent2="accent2" accent3="accent3" accent4="accent4" accent5="accent5" accent6="accent6" hlink="hlink" folHlink="folHlink"/>
+  <p:notesStyle>
+    <a:lvl1pPr marL="0" algn="l" defTabSz="914400" rtl="0" eaLnBrk="1" latinLnBrk="0" hangingPunct="1">
+      <a:defRPr sz="1200" kern="1200">
+        <a:solidFill>
+          <a:schemeClr val="tx1"/>
+        </a:solidFill>
+        <a:latin typeface="+mn-lt"/>
+        <a:ea typeface="+mn-ea"/>
+        <a:cs typeface="+mn-cs"/>
+      </a:defRPr>
+    </a:lvl1pPr>
+    <a:lvl2pPr marL="457200" algn="l" defTabSz="914400" rtl="0" eaLnBrk="1" latinLnBrk="0" hangingPunct="1">
+      <a:defRPr sz="1200" kern="1200">
+        <a:solidFill>
+          <a:schemeClr val="tx1"/>
+        </a:solidFill>
+        <a:latin typeface="+mn-lt"/>
+        <a:ea typeface="+mn-ea"/>
+        <a:cs typeface="+mn-cs"/>
+      </a:defRPr>
+    </a:lvl2pPr>
+    <a:lvl3pPr marL="914400" algn="l" defTabSz="914400" rtl="0" eaLnBrk="1" latinLnBrk="0" hangingPunct="1">
+      <a:defRPr sz="1200" kern="1200">
+        <a:solidFill>
+          <a:schemeClr val="tx1"/>
+        </a:solidFill>
+        <a:latin typeface="+mn-lt"/>
+        <a:ea typeface="+mn-ea"/>
+        <a:cs typeface="+mn-cs"/>
+      </a:defRPr>
+    </a:lvl3pPr>
+    <a:lvl4pPr marL="1371600" algn="l" defTabSz="914400" rtl="0" eaLnBrk="1" latinLnBrk="0" hangingPunct="1">
+      <a:defRPr sz="1200" kern="1200">
+        <a:solidFill>
+          <a:schemeClr val="tx1"/>
+        </a:solidFill>
+        <a:latin typeface="+mn-lt"/>
+        <a:ea typeface="+mn-ea"/>
+        <a:cs typeface="+mn-cs"/>
+      </a:defRPr>
+    </a:lvl4pPr>
+    <a:lvl5pPr marL="1828800" algn="l" defTabSz="914400" rtl="0" eaLnBrk="1" latinLnBrk="0" hangingPunct="1">
+      <a:defRPr sz="1200" kern="1200">
+        <a:solidFill>
+          <a:schemeClr val="tx1"/>
+        </a:solidFill>
+        <a:latin typeface="+mn-lt"/>
+        <a:ea typeface="+mn-ea"/>
+        <a:cs typeface="+mn-cs"/>
+      </a:defRPr>
+    </a:lvl5pPr>
+    <a:lvl6pPr marL="2286000" algn="l" defTabSz="914400" rtl="0" eaLnBrk="1" latinLnBrk="0" hangingPunct="1">
+      <a:defRPr sz="1200" kern="1200">
+        <a:solidFill>
+          <a:schemeClr val="tx1"/>
+        </a:solidFill>
+        <a:latin typeface="+mn-lt"/>
+        <a:ea typeface="+mn-ea"/>
+        <a:cs typeface="+mn-cs"/>
+      </a:defRPr>
+    </a:lvl6pPr>
+    <a:lvl7pPr marL="2743200" algn="l" defTabSz="914400" rtl="0" eaLnBrk="1" latinLnBrk="0" hangingPunct="1">
+      <a:defRPr sz="1200" kern="1200">
+        <a:solidFill>
+          <a:schemeClr val="tx1"/>
+        </a:solidFill>
+        <a:latin typeface="+mn-lt"/>
+        <a:ea typeface="+mn-ea"/>
+        <a:cs typeface="+mn-cs"/>
+      </a:defRPr>
+    </a:lvl7pPr>
+    <a:lvl8pPr marL="3200400" algn="l" defTabSz="914400" rtl="0" eaLnBrk="1" latinLnBrk="0" hangingPunct="1">
+      <a:defRPr sz="1200" kern="1200">
+        <a:solidFill>
+          <a:schemeClr val="tx1"/>
+        </a:solidFill>
+        <a:latin typeface="+mn-lt"/>
+        <a:ea typeface="+mn-ea"/>
+        <a:cs typeface="+mn-cs"/>
+      </a:defRPr>
+    </a:lvl8pPr>
+    <a:lvl9pPr marL="3657600" algn="l" defTabSz="914400" rtl="0" eaLnBrk="1" latinLnBrk="0" hangingPunct="1">
+      <a:defRPr sz="1200" kern="1200">
+        <a:solidFill>
+          <a:schemeClr val="tx1"/>
+        </a:solidFill>
+        <a:latin typeface="+mn-lt"/>
+        <a:ea typeface="+mn-ea"/>
+        <a:cs typeface="+mn-cs"/>
+      </a:defRPr>
+    </a:lvl9pPr>
+  </p:notesStyle>
+</p:notesMaster>
+</file>
+
+<file path=ppt/notesSlides/notesSlide1.xml><?xml version="1.0" encoding="utf-8"?>
+<p:notes xmlns:a="http://schemas.openxmlformats.org/drawingml/2006/main" xmlns:r="http://schemas.openxmlformats.org/officeDocument/2006/relationships" xmlns:p="http://schemas.openxmlformats.org/presentationml/2006/main">
+  <p:cSld>
+    <p:spTree>
+      <p:nvGrpSpPr>
+        <p:cNvPr id="1" name=""/>
+        <p:cNvGrpSpPr/>
+        <p:nvPr/>
+      </p:nvGrpSpPr>
+      <p:grpSpPr>
+        <a:xfrm>
+          <a:off x="0" y="0"/>
+          <a:ext cx="0" cy="0"/>
+          <a:chOff x="0" y="0"/>
+          <a:chExt cx="0" cy="0"/>
+        </a:xfrm>
+      </p:grpSpPr>
+      <p:sp>
+        <p:nvSpPr>
+          <p:cNvPr id="2" name="Folienbildplatzhalter 1"/>
+          <p:cNvSpPr>
+            <a:spLocks noGrp="1" noRot="1" noChangeAspect="1"/>
+          </p:cNvSpPr>
+          <p:nvPr>
+            <p:ph type="sldImg"/>
+          </p:nvPr>
+        </p:nvSpPr>
+        <p:spPr/>
+      </p:sp>
+      <p:sp>
+        <p:nvSpPr>
+          <p:cNvPr id="3" name="Notizenplatzhalter 2"/>
+          <p:cNvSpPr>
+            <a:spLocks noGrp="1"/>
+          </p:cNvSpPr>
+          <p:nvPr>
+            <p:ph type="body" idx="1"/>
+          </p:nvPr>
+        </p:nvSpPr>
+        <p:spPr/>
+        <p:txBody>
+          <a:bodyPr/>
+          <a:lstStyle/>
+          <a:p>
+            <a:r>
+              <a:rPr lang="de-DE" dirty="0" err="1"/>
+              <a:t>Graphical</a:t>
+            </a:r>
+            <a:r>
+              <a:rPr lang="de-DE" dirty="0"/>
+              <a:t> Windows </a:t>
+            </a:r>
+            <a:r>
+              <a:rPr lang="de-DE" dirty="0" err="1"/>
+              <a:t>Uis</a:t>
+            </a:r>
+            <a:r>
+              <a:rPr lang="de-DE" dirty="0"/>
+              <a:t> </a:t>
+            </a:r>
+            <a:r>
+              <a:rPr lang="de-DE" dirty="0" err="1"/>
+              <a:t>only</a:t>
+            </a:r>
+            <a:endParaRPr lang="de-DE" dirty="0"/>
+          </a:p>
+          <a:p>
+            <a:endParaRPr lang="de-DE" dirty="0"/>
+          </a:p>
+        </p:txBody>
+      </p:sp>
+      <p:sp>
+        <p:nvSpPr>
+          <p:cNvPr id="4" name="Foliennummernplatzhalter 3"/>
+          <p:cNvSpPr>
+            <a:spLocks noGrp="1"/>
+          </p:cNvSpPr>
+          <p:nvPr>
+            <p:ph type="sldNum" sz="quarter" idx="5"/>
+          </p:nvPr>
+        </p:nvSpPr>
+        <p:spPr/>
+        <p:txBody>
+          <a:bodyPr/>
+          <a:lstStyle/>
+          <a:p>
+            <a:fld id="{C14B8083-629E-482F-B439-E9A81033C764}" type="slidenum">
+              <a:rPr lang="de-DE" smtClean="0"/>
+              <a:t>2</a:t>
+            </a:fld>
+            <a:endParaRPr lang="de-DE"/>
+          </a:p>
+        </p:txBody>
+      </p:sp>
+    </p:spTree>
+    <p:extLst>
+      <p:ext uri="{BB962C8B-B14F-4D97-AF65-F5344CB8AC3E}">
+        <p14:creationId xmlns:p14="http://schemas.microsoft.com/office/powerpoint/2010/main" val="2360832882"/>
+      </p:ext>
+    </p:extLst>
+  </p:cSld>
+  <p:clrMapOvr>
+    <a:masterClrMapping/>
+  </p:clrMapOvr>
+</p:notes>
+</file>
+
+<file path=ppt/notesSlides/notesSlide2.xml><?xml version="1.0" encoding="utf-8"?>
+<p:notes xmlns:a="http://schemas.openxmlformats.org/drawingml/2006/main" xmlns:r="http://schemas.openxmlformats.org/officeDocument/2006/relationships" xmlns:p="http://schemas.openxmlformats.org/presentationml/2006/main">
+  <p:cSld>
+    <p:spTree>
+      <p:nvGrpSpPr>
+        <p:cNvPr id="1" name=""/>
+        <p:cNvGrpSpPr/>
+        <p:nvPr/>
+      </p:nvGrpSpPr>
+      <p:grpSpPr>
+        <a:xfrm>
+          <a:off x="0" y="0"/>
+          <a:ext cx="0" cy="0"/>
+          <a:chOff x="0" y="0"/>
+          <a:chExt cx="0" cy="0"/>
+        </a:xfrm>
+      </p:grpSpPr>
+      <p:sp>
+        <p:nvSpPr>
+          <p:cNvPr id="2" name="Folienbildplatzhalter 1"/>
+          <p:cNvSpPr>
+            <a:spLocks noGrp="1" noRot="1" noChangeAspect="1"/>
+          </p:cNvSpPr>
+          <p:nvPr>
+            <p:ph type="sldImg"/>
+          </p:nvPr>
+        </p:nvSpPr>
+        <p:spPr/>
+      </p:sp>
+      <p:sp>
+        <p:nvSpPr>
+          <p:cNvPr id="3" name="Notizenplatzhalter 2"/>
+          <p:cNvSpPr>
+            <a:spLocks noGrp="1"/>
+          </p:cNvSpPr>
+          <p:nvPr>
+            <p:ph type="body" idx="1"/>
+          </p:nvPr>
+        </p:nvSpPr>
+        <p:spPr/>
+        <p:txBody>
+          <a:bodyPr/>
+          <a:lstStyle/>
+          <a:p>
+            <a:r>
+              <a:rPr lang="de-DE" dirty="0" err="1"/>
+              <a:t>Presentation</a:t>
+            </a:r>
+            <a:r>
+              <a:rPr lang="de-DE" dirty="0"/>
+              <a:t> Framework</a:t>
+            </a:r>
+          </a:p>
+          <a:p>
+            <a:r>
+              <a:rPr lang="de-DE" dirty="0" err="1"/>
+              <a:t>Depends</a:t>
+            </a:r>
+            <a:r>
+              <a:rPr lang="de-DE" dirty="0"/>
+              <a:t> on CLR</a:t>
+            </a:r>
+          </a:p>
+          <a:p>
+            <a:r>
+              <a:rPr lang="de-DE" dirty="0" err="1"/>
+              <a:t>Depends</a:t>
+            </a:r>
+            <a:r>
+              <a:rPr lang="de-DE" dirty="0"/>
+              <a:t> on User32 == Windows</a:t>
+            </a:r>
+          </a:p>
+          <a:p>
+            <a:endParaRPr lang="de-DE" dirty="0"/>
+          </a:p>
+          <a:p>
+            <a:endParaRPr lang="de-DE" dirty="0"/>
+          </a:p>
+        </p:txBody>
+      </p:sp>
+      <p:sp>
+        <p:nvSpPr>
+          <p:cNvPr id="4" name="Foliennummernplatzhalter 3"/>
+          <p:cNvSpPr>
+            <a:spLocks noGrp="1"/>
+          </p:cNvSpPr>
+          <p:nvPr>
+            <p:ph type="sldNum" sz="quarter" idx="5"/>
+          </p:nvPr>
+        </p:nvSpPr>
+        <p:spPr/>
+        <p:txBody>
+          <a:bodyPr/>
+          <a:lstStyle/>
+          <a:p>
+            <a:fld id="{C14B8083-629E-482F-B439-E9A81033C764}" type="slidenum">
+              <a:rPr lang="de-DE" smtClean="0"/>
+              <a:t>6</a:t>
+            </a:fld>
+            <a:endParaRPr lang="de-DE"/>
+          </a:p>
+        </p:txBody>
+      </p:sp>
+    </p:spTree>
+    <p:extLst>
+      <p:ext uri="{BB962C8B-B14F-4D97-AF65-F5344CB8AC3E}">
+        <p14:creationId xmlns:p14="http://schemas.microsoft.com/office/powerpoint/2010/main" val="3955714854"/>
+      </p:ext>
+    </p:extLst>
+  </p:cSld>
+  <p:clrMapOvr>
+    <a:masterClrMapping/>
+  </p:clrMapOvr>
+</p:notes>
+</file>
+
 <file path=ppt/slideLayouts/slideLayout1.xml><?xml version="1.0" encoding="utf-8"?>
 <p:sldLayout xmlns:a="http://schemas.openxmlformats.org/drawingml/2006/main" xmlns:r="http://schemas.openxmlformats.org/officeDocument/2006/relationships" xmlns:p="http://schemas.openxmlformats.org/presentationml/2006/main" type="title" preserve="1">
   <p:cSld name="Titelfolie">
@@ -266,7 +843,7 @@
           <a:p>
             <a:fld id="{79FE5C41-353F-4262-932C-7692C85C322C}" type="datetimeFigureOut">
               <a:rPr lang="de-DE" smtClean="0"/>
-              <a:t>22.05.2019</a:t>
+              <a:t>08.06.2019</a:t>
             </a:fld>
             <a:endParaRPr lang="de-DE"/>
           </a:p>
@@ -464,7 +1041,7 @@
           <a:p>
             <a:fld id="{79FE5C41-353F-4262-932C-7692C85C322C}" type="datetimeFigureOut">
               <a:rPr lang="de-DE" smtClean="0"/>
-              <a:t>22.05.2019</a:t>
+              <a:t>08.06.2019</a:t>
             </a:fld>
             <a:endParaRPr lang="de-DE"/>
           </a:p>
@@ -672,7 +1249,7 @@
           <a:p>
             <a:fld id="{79FE5C41-353F-4262-932C-7692C85C322C}" type="datetimeFigureOut">
               <a:rPr lang="de-DE" smtClean="0"/>
-              <a:t>22.05.2019</a:t>
+              <a:t>08.06.2019</a:t>
             </a:fld>
             <a:endParaRPr lang="de-DE"/>
           </a:p>
@@ -870,7 +1447,7 @@
           <a:p>
             <a:fld id="{79FE5C41-353F-4262-932C-7692C85C322C}" type="datetimeFigureOut">
               <a:rPr lang="de-DE" smtClean="0"/>
-              <a:t>22.05.2019</a:t>
+              <a:t>08.06.2019</a:t>
             </a:fld>
             <a:endParaRPr lang="de-DE"/>
           </a:p>
@@ -1145,7 +1722,7 @@
           <a:p>
             <a:fld id="{79FE5C41-353F-4262-932C-7692C85C322C}" type="datetimeFigureOut">
               <a:rPr lang="de-DE" smtClean="0"/>
-              <a:t>22.05.2019</a:t>
+              <a:t>08.06.2019</a:t>
             </a:fld>
             <a:endParaRPr lang="de-DE"/>
           </a:p>
@@ -1410,7 +1987,7 @@
           <a:p>
             <a:fld id="{79FE5C41-353F-4262-932C-7692C85C322C}" type="datetimeFigureOut">
               <a:rPr lang="de-DE" smtClean="0"/>
-              <a:t>22.05.2019</a:t>
+              <a:t>08.06.2019</a:t>
             </a:fld>
             <a:endParaRPr lang="de-DE"/>
           </a:p>
@@ -1822,7 +2399,7 @@
           <a:p>
             <a:fld id="{79FE5C41-353F-4262-932C-7692C85C322C}" type="datetimeFigureOut">
               <a:rPr lang="de-DE" smtClean="0"/>
-              <a:t>22.05.2019</a:t>
+              <a:t>08.06.2019</a:t>
             </a:fld>
             <a:endParaRPr lang="de-DE"/>
           </a:p>
@@ -1963,7 +2540,7 @@
           <a:p>
             <a:fld id="{79FE5C41-353F-4262-932C-7692C85C322C}" type="datetimeFigureOut">
               <a:rPr lang="de-DE" smtClean="0"/>
-              <a:t>22.05.2019</a:t>
+              <a:t>08.06.2019</a:t>
             </a:fld>
             <a:endParaRPr lang="de-DE"/>
           </a:p>
@@ -2076,7 +2653,7 @@
           <a:p>
             <a:fld id="{79FE5C41-353F-4262-932C-7692C85C322C}" type="datetimeFigureOut">
               <a:rPr lang="de-DE" smtClean="0"/>
-              <a:t>22.05.2019</a:t>
+              <a:t>08.06.2019</a:t>
             </a:fld>
             <a:endParaRPr lang="de-DE"/>
           </a:p>
@@ -2387,7 +2964,7 @@
           <a:p>
             <a:fld id="{79FE5C41-353F-4262-932C-7692C85C322C}" type="datetimeFigureOut">
               <a:rPr lang="de-DE" smtClean="0"/>
-              <a:t>22.05.2019</a:t>
+              <a:t>08.06.2019</a:t>
             </a:fld>
             <a:endParaRPr lang="de-DE"/>
           </a:p>
@@ -2675,7 +3252,7 @@
           <a:p>
             <a:fld id="{79FE5C41-353F-4262-932C-7692C85C322C}" type="datetimeFigureOut">
               <a:rPr lang="de-DE" smtClean="0"/>
-              <a:t>22.05.2019</a:t>
+              <a:t>08.06.2019</a:t>
             </a:fld>
             <a:endParaRPr lang="de-DE"/>
           </a:p>
@@ -2916,7 +3493,7 @@
           <a:p>
             <a:fld id="{79FE5C41-353F-4262-932C-7692C85C322C}" type="datetimeFigureOut">
               <a:rPr lang="de-DE" smtClean="0"/>
-              <a:t>22.05.2019</a:t>
+              <a:t>08.06.2019</a:t>
             </a:fld>
             <a:endParaRPr lang="de-DE"/>
           </a:p>
@@ -3355,10 +3932,16 @@
           <a:lstStyle/>
           <a:p>
             <a:r>
-              <a:rPr lang="de-DE" dirty="0" err="1"/>
+              <a:rPr lang="de-DE" sz="8800" dirty="0" err="1">
+                <a:latin typeface="Agency FB" panose="020B0503020202020204" pitchFamily="34" charset="0"/>
+                <a:cs typeface="Aldhabi" panose="020B0604020202020204" pitchFamily="2" charset="-78"/>
+              </a:rPr>
               <a:t>stonehenge</a:t>
             </a:r>
-            <a:endParaRPr lang="de-DE" dirty="0"/>
+            <a:endParaRPr lang="de-DE" dirty="0">
+              <a:latin typeface="Agency FB" panose="020B0503020202020204" pitchFamily="34" charset="0"/>
+              <a:cs typeface="Aldhabi" panose="020B0604020202020204" pitchFamily="2" charset="-78"/>
+            </a:endParaRPr>
           </a:p>
         </p:txBody>
       </p:sp>
@@ -3383,10 +3966,6 @@
           <a:bodyPr/>
           <a:lstStyle/>
           <a:p>
-            <a:r>
-              <a:rPr lang="de-DE" dirty="0"/>
-              <a:t>support </a:t>
-            </a:r>
             <a:r>
               <a:rPr lang="de-DE" dirty="0" err="1"/>
               <a:t>cross-platform</a:t>
@@ -3473,9 +4052,14 @@
           <a:lstStyle/>
           <a:p>
             <a:r>
-              <a:rPr lang="de-DE" dirty="0"/>
-              <a:t>UI Techniken - Geschichte</a:t>
-            </a:r>
+              <a:rPr lang="fr-FR" dirty="0" err="1"/>
+              <a:t>History</a:t>
+            </a:r>
+            <a:r>
+              <a:rPr lang="fr-FR" dirty="0"/>
+              <a:t> of User Interface Techniques</a:t>
+            </a:r>
+            <a:endParaRPr lang="de-DE" dirty="0"/>
           </a:p>
         </p:txBody>
       </p:sp>
@@ -3535,8 +4119,12 @@
           <a:p>
             <a:pPr lvl="1"/>
             <a:r>
+              <a:rPr lang="de-DE" dirty="0" err="1"/>
+              <a:t>Modified</a:t>
+            </a:r>
+            <a:r>
               <a:rPr lang="de-DE" dirty="0"/>
-              <a:t> Abwandlung des Model-View-Controller-Architekturmusters</a:t>
+              <a:t> Model-View-Controller-Architecture</a:t>
             </a:r>
           </a:p>
           <a:p>
@@ -3557,8 +4145,20 @@
           <a:p>
             <a:pPr lvl="1"/>
             <a:r>
+              <a:rPr lang="de-DE" dirty="0" err="1"/>
+              <a:t>Comming</a:t>
+            </a:r>
+            <a:r>
               <a:rPr lang="de-DE" dirty="0"/>
-              <a:t>Mit .NET Framework</a:t>
+              <a:t> </a:t>
+            </a:r>
+            <a:r>
+              <a:rPr lang="de-DE" dirty="0" err="1"/>
+              <a:t>with</a:t>
+            </a:r>
+            <a:r>
+              <a:rPr lang="de-DE" dirty="0"/>
+              <a:t> .NET Framework</a:t>
             </a:r>
           </a:p>
           <a:p>
@@ -3581,8 +4181,20 @@
           <a:p>
             <a:pPr lvl="1"/>
             <a:r>
+              <a:rPr lang="de-DE" dirty="0" err="1"/>
+              <a:t>Comming</a:t>
+            </a:r>
+            <a:r>
               <a:rPr lang="de-DE" dirty="0"/>
-              <a:t>Ab .NET 3.0</a:t>
+              <a:t> </a:t>
+            </a:r>
+            <a:r>
+              <a:rPr lang="de-DE" dirty="0" err="1"/>
+              <a:t>with</a:t>
+            </a:r>
+            <a:r>
+              <a:rPr lang="de-DE" dirty="0"/>
+              <a:t> .NET 3.0</a:t>
             </a:r>
           </a:p>
           <a:p>
@@ -3647,8 +4259,13 @@
           <a:p>
             <a:r>
               <a:rPr lang="de-DE" dirty="0"/>
-              <a:t>UI Techniken - Andere</a:t>
-            </a:r>
+              <a:t>Other UI </a:t>
+            </a:r>
+            <a:r>
+              <a:rPr lang="de-DE" dirty="0" err="1"/>
+              <a:t>Techniques</a:t>
+            </a:r>
+            <a:endParaRPr lang="de-DE" dirty="0"/>
           </a:p>
         </p:txBody>
       </p:sp>
@@ -3746,8 +4363,13 @@
           <a:p>
             <a:r>
               <a:rPr lang="de-DE" dirty="0"/>
-              <a:t>UI Techniken - Web</a:t>
-            </a:r>
+              <a:t>Web UI </a:t>
+            </a:r>
+            <a:r>
+              <a:rPr lang="de-DE" dirty="0" err="1"/>
+              <a:t>Techniques</a:t>
+            </a:r>
+            <a:endParaRPr lang="de-DE" dirty="0"/>
           </a:p>
         </p:txBody>
       </p:sp>
@@ -3841,7 +4463,7 @@
           <a:p>
             <a:r>
               <a:rPr lang="de-DE" dirty="0"/>
-              <a:t>Andere Projekte</a:t>
+              <a:t>Other Projects</a:t>
             </a:r>
           </a:p>
         </p:txBody>
@@ -4045,29 +4667,69 @@
           <a:p>
             <a:r>
               <a:rPr lang="de-DE" dirty="0"/>
-              <a:t>MVVM</a:t>
-            </a:r>
+              <a:t>WPF</a:t>
+            </a:r>
+          </a:p>
+        </p:txBody>
+      </p:sp>
+      <p:sp>
+        <p:nvSpPr>
+          <p:cNvPr id="4" name="Textfeld 3">
+            <a:extLst>
+              <a:ext uri="{FF2B5EF4-FFF2-40B4-BE49-F238E27FC236}">
+                <a16:creationId xmlns:a16="http://schemas.microsoft.com/office/drawing/2014/main" id="{9D736F0F-D004-4F91-9051-C98BC18229BF}"/>
+              </a:ext>
+            </a:extLst>
+          </p:cNvPr>
+          <p:cNvSpPr txBox="1"/>
+          <p:nvPr/>
+        </p:nvSpPr>
+        <p:spPr>
+          <a:xfrm>
+            <a:off x="1160273" y="6308209"/>
+            <a:ext cx="11028853" cy="369332"/>
+          </a:xfrm>
+          <a:prstGeom prst="rect">
+            <a:avLst/>
+          </a:prstGeom>
+          <a:noFill/>
+        </p:spPr>
+        <p:txBody>
+          <a:bodyPr wrap="none" rtlCol="0">
+            <a:spAutoFit/>
+          </a:bodyPr>
+          <a:lstStyle/>
+          <a:p>
+            <a:r>
+              <a:rPr lang="de-DE" dirty="0"/>
+              <a:t>Source: Microsoft, 8.6.2019, </a:t>
+            </a:r>
+            <a:r>
+              <a:rPr lang="de-DE" dirty="0">
+                <a:hlinkClick r:id="rId3"/>
+              </a:rPr>
+              <a:t>https://docs.microsoft.com/en-us/dotnet/framework/wpf/advanced/wpf-architecture</a:t>
+            </a:r>
+            <a:endParaRPr lang="de-DE" dirty="0"/>
           </a:p>
         </p:txBody>
       </p:sp>
       <p:pic>
         <p:nvPicPr>
-          <p:cNvPr id="1026" name="Picture 2" descr="https://upload.wikimedia.org/wikipedia/commons/8/87/MVVMPattern.png">
-            <a:extLst>
-              <a:ext uri="{FF2B5EF4-FFF2-40B4-BE49-F238E27FC236}">
-                <a16:creationId xmlns:a16="http://schemas.microsoft.com/office/drawing/2014/main" id="{10A7CCF3-E21F-41A2-B7DA-9FD5CE5397FE}"/>
+          <p:cNvPr id="6" name="Picture 2" descr="La posiciÃ³n de WPF dentro de .NET Framework.">
+            <a:extLst>
+              <a:ext uri="{FF2B5EF4-FFF2-40B4-BE49-F238E27FC236}">
+                <a16:creationId xmlns:a16="http://schemas.microsoft.com/office/drawing/2014/main" id="{EFF0F45B-F479-40AD-9030-8FB7CE14A165}"/>
               </a:ext>
             </a:extLst>
           </p:cNvPr>
           <p:cNvPicPr>
-            <a:picLocks noGrp="1" noChangeAspect="1" noChangeArrowheads="1"/>
+            <a:picLocks noChangeAspect="1" noChangeArrowheads="1"/>
           </p:cNvPicPr>
-          <p:nvPr>
-            <p:ph idx="1"/>
-          </p:nvPr>
+          <p:nvPr/>
         </p:nvPicPr>
         <p:blipFill>
-          <a:blip r:embed="rId2">
+          <a:blip r:embed="rId4">
             <a:extLst>
               <a:ext uri="{28A0092B-C50C-407E-A947-70E740481C1C}">
                 <a14:useLocalDpi xmlns:a14="http://schemas.microsoft.com/office/drawing/2010/main" val="0"/>
@@ -4081,8 +4743,8 @@
         </p:blipFill>
         <p:spPr bwMode="auto">
           <a:xfrm>
-            <a:off x="2319642" y="1888322"/>
-            <a:ext cx="7344800" cy="2210108"/>
+            <a:off x="3595254" y="1439302"/>
+            <a:ext cx="3878547" cy="4794739"/>
           </a:xfrm>
           <a:prstGeom prst="rect">
             <a:avLst/>
@@ -4099,48 +4761,6 @@
           </a:extLst>
         </p:spPr>
       </p:pic>
-      <p:sp>
-        <p:nvSpPr>
-          <p:cNvPr id="4" name="Textfeld 3">
-            <a:extLst>
-              <a:ext uri="{FF2B5EF4-FFF2-40B4-BE49-F238E27FC236}">
-                <a16:creationId xmlns:a16="http://schemas.microsoft.com/office/drawing/2014/main" id="{9D736F0F-D004-4F91-9051-C98BC18229BF}"/>
-              </a:ext>
-            </a:extLst>
-          </p:cNvPr>
-          <p:cNvSpPr txBox="1"/>
-          <p:nvPr/>
-        </p:nvSpPr>
-        <p:spPr>
-          <a:xfrm>
-            <a:off x="5992042" y="6308209"/>
-            <a:ext cx="6126742" cy="369332"/>
-          </a:xfrm>
-          <a:prstGeom prst="rect">
-            <a:avLst/>
-          </a:prstGeom>
-          <a:noFill/>
-        </p:spPr>
-        <p:txBody>
-          <a:bodyPr wrap="none" rtlCol="0">
-            <a:spAutoFit/>
-          </a:bodyPr>
-          <a:lstStyle/>
-          <a:p>
-            <a:r>
-              <a:rPr lang="de-DE" dirty="0"/>
-              <a:t>Quelle: </a:t>
-            </a:r>
-            <a:r>
-              <a:rPr lang="de-DE" dirty="0">
-                <a:hlinkClick r:id="rId3"/>
-              </a:rPr>
-              <a:t>https://de.wikipedia.org/wiki/Model_View_ViewModel</a:t>
-            </a:r>
-            <a:endParaRPr lang="de-DE" dirty="0"/>
-          </a:p>
-        </p:txBody>
-      </p:sp>
     </p:spTree>
     <p:extLst>
       <p:ext uri="{BB962C8B-B14F-4D97-AF65-F5344CB8AC3E}">
@@ -4171,6 +4791,294 @@
           <a:chExt cx="0" cy="0"/>
         </a:xfrm>
       </p:grpSpPr>
+      <p:pic>
+        <p:nvPicPr>
+          <p:cNvPr id="1026" name="Picture 2" descr="https://upload.wikimedia.org/wikipedia/commons/8/87/MVVMPattern.png">
+            <a:extLst>
+              <a:ext uri="{FF2B5EF4-FFF2-40B4-BE49-F238E27FC236}">
+                <a16:creationId xmlns:a16="http://schemas.microsoft.com/office/drawing/2014/main" id="{10A7CCF3-E21F-41A2-B7DA-9FD5CE5397FE}"/>
+              </a:ext>
+            </a:extLst>
+          </p:cNvPr>
+          <p:cNvPicPr>
+            <a:picLocks noGrp="1" noChangeAspect="1" noChangeArrowheads="1"/>
+          </p:cNvPicPr>
+          <p:nvPr>
+            <p:ph idx="1"/>
+          </p:nvPr>
+        </p:nvPicPr>
+        <p:blipFill>
+          <a:blip r:embed="rId2">
+            <a:extLst>
+              <a:ext uri="{28A0092B-C50C-407E-A947-70E740481C1C}">
+                <a14:useLocalDpi xmlns:a14="http://schemas.microsoft.com/office/drawing/2010/main" val="0"/>
+              </a:ext>
+            </a:extLst>
+          </a:blip>
+          <a:srcRect/>
+          <a:stretch>
+            <a:fillRect/>
+          </a:stretch>
+        </p:blipFill>
+        <p:spPr bwMode="auto">
+          <a:xfrm>
+            <a:off x="2423600" y="2323946"/>
+            <a:ext cx="7344800" cy="2210108"/>
+          </a:xfrm>
+          <a:prstGeom prst="rect">
+            <a:avLst/>
+          </a:prstGeom>
+          <a:noFill/>
+          <a:extLst>
+            <a:ext uri="{909E8E84-426E-40DD-AFC4-6F175D3DCCD1}">
+              <a14:hiddenFill xmlns:a14="http://schemas.microsoft.com/office/drawing/2010/main">
+                <a:solidFill>
+                  <a:srgbClr val="FFFFFF"/>
+                </a:solidFill>
+              </a14:hiddenFill>
+            </a:ext>
+          </a:extLst>
+        </p:spPr>
+      </p:pic>
+      <p:sp>
+        <p:nvSpPr>
+          <p:cNvPr id="2" name="Titel 1">
+            <a:extLst>
+              <a:ext uri="{FF2B5EF4-FFF2-40B4-BE49-F238E27FC236}">
+                <a16:creationId xmlns:a16="http://schemas.microsoft.com/office/drawing/2014/main" id="{7E44C920-458D-4B65-9E57-2FB1377E676A}"/>
+              </a:ext>
+            </a:extLst>
+          </p:cNvPr>
+          <p:cNvSpPr>
+            <a:spLocks noGrp="1"/>
+          </p:cNvSpPr>
+          <p:nvPr>
+            <p:ph type="title"/>
+          </p:nvPr>
+        </p:nvSpPr>
+        <p:spPr/>
+        <p:txBody>
+          <a:bodyPr/>
+          <a:lstStyle/>
+          <a:p>
+            <a:r>
+              <a:rPr lang="de-DE" dirty="0"/>
+              <a:t>MVVM</a:t>
+            </a:r>
+          </a:p>
+        </p:txBody>
+      </p:sp>
+      <p:sp>
+        <p:nvSpPr>
+          <p:cNvPr id="4" name="Textfeld 3">
+            <a:extLst>
+              <a:ext uri="{FF2B5EF4-FFF2-40B4-BE49-F238E27FC236}">
+                <a16:creationId xmlns:a16="http://schemas.microsoft.com/office/drawing/2014/main" id="{9D736F0F-D004-4F91-9051-C98BC18229BF}"/>
+              </a:ext>
+            </a:extLst>
+          </p:cNvPr>
+          <p:cNvSpPr txBox="1"/>
+          <p:nvPr/>
+        </p:nvSpPr>
+        <p:spPr>
+          <a:xfrm>
+            <a:off x="3971797" y="6308209"/>
+            <a:ext cx="8071267" cy="369332"/>
+          </a:xfrm>
+          <a:prstGeom prst="rect">
+            <a:avLst/>
+          </a:prstGeom>
+          <a:noFill/>
+        </p:spPr>
+        <p:txBody>
+          <a:bodyPr wrap="square" rtlCol="0">
+            <a:spAutoFit/>
+          </a:bodyPr>
+          <a:lstStyle/>
+          <a:p>
+            <a:r>
+              <a:rPr lang="de-DE" dirty="0"/>
+              <a:t>Source: Wikipedia, 8.6.2019, </a:t>
+            </a:r>
+            <a:r>
+              <a:rPr lang="de-DE" dirty="0">
+                <a:hlinkClick r:id="rId3"/>
+              </a:rPr>
+              <a:t>https://de.wikipedia.org/wiki/Model_View_ViewModel</a:t>
+            </a:r>
+            <a:endParaRPr lang="de-DE" dirty="0"/>
+          </a:p>
+        </p:txBody>
+      </p:sp>
+      <p:sp>
+        <p:nvSpPr>
+          <p:cNvPr id="5" name="Textfeld 4">
+            <a:extLst>
+              <a:ext uri="{FF2B5EF4-FFF2-40B4-BE49-F238E27FC236}">
+                <a16:creationId xmlns:a16="http://schemas.microsoft.com/office/drawing/2014/main" id="{9F8FBC63-CB63-4DFD-9FB2-49A7101F789B}"/>
+              </a:ext>
+            </a:extLst>
+          </p:cNvPr>
+          <p:cNvSpPr txBox="1"/>
+          <p:nvPr/>
+        </p:nvSpPr>
+        <p:spPr>
+          <a:xfrm>
+            <a:off x="2717799" y="3541216"/>
+            <a:ext cx="1682751" cy="461665"/>
+          </a:xfrm>
+          <a:prstGeom prst="rect">
+            <a:avLst/>
+          </a:prstGeom>
+          <a:noFill/>
+        </p:spPr>
+        <p:txBody>
+          <a:bodyPr wrap="square" rtlCol="0">
+            <a:spAutoFit/>
+          </a:bodyPr>
+          <a:lstStyle/>
+          <a:p>
+            <a:pPr algn="ctr"/>
+            <a:r>
+              <a:rPr lang="de-DE" sz="2400" b="1" dirty="0">
+                <a:solidFill>
+                  <a:schemeClr val="accent3"/>
+                </a:solidFill>
+              </a:rPr>
+              <a:t>XAML</a:t>
+            </a:r>
+            <a:endParaRPr lang="de-DE" b="1" dirty="0">
+              <a:solidFill>
+                <a:schemeClr val="accent3"/>
+              </a:solidFill>
+            </a:endParaRPr>
+          </a:p>
+        </p:txBody>
+      </p:sp>
+      <p:sp>
+        <p:nvSpPr>
+          <p:cNvPr id="6" name="Textfeld 5">
+            <a:extLst>
+              <a:ext uri="{FF2B5EF4-FFF2-40B4-BE49-F238E27FC236}">
+                <a16:creationId xmlns:a16="http://schemas.microsoft.com/office/drawing/2014/main" id="{BFEE6319-B62A-4823-9E88-EC83BF5C9C5F}"/>
+              </a:ext>
+            </a:extLst>
+          </p:cNvPr>
+          <p:cNvSpPr txBox="1"/>
+          <p:nvPr/>
+        </p:nvSpPr>
+        <p:spPr>
+          <a:xfrm>
+            <a:off x="5311774" y="3473574"/>
+            <a:ext cx="1682751" cy="461665"/>
+          </a:xfrm>
+          <a:prstGeom prst="rect">
+            <a:avLst/>
+          </a:prstGeom>
+          <a:noFill/>
+        </p:spPr>
+        <p:txBody>
+          <a:bodyPr wrap="square" rtlCol="0">
+            <a:spAutoFit/>
+          </a:bodyPr>
+          <a:lstStyle/>
+          <a:p>
+            <a:pPr algn="ctr"/>
+            <a:r>
+              <a:rPr lang="de-DE" sz="2400" b="1" dirty="0">
+                <a:solidFill>
+                  <a:schemeClr val="accent3">
+                    <a:lumMod val="75000"/>
+                  </a:schemeClr>
+                </a:solidFill>
+              </a:rPr>
+              <a:t>C#</a:t>
+            </a:r>
+            <a:endParaRPr lang="de-DE" b="1" dirty="0">
+              <a:solidFill>
+                <a:schemeClr val="accent3">
+                  <a:lumMod val="75000"/>
+                </a:schemeClr>
+              </a:solidFill>
+            </a:endParaRPr>
+          </a:p>
+        </p:txBody>
+      </p:sp>
+      <p:sp>
+        <p:nvSpPr>
+          <p:cNvPr id="7" name="Textfeld 6">
+            <a:extLst>
+              <a:ext uri="{FF2B5EF4-FFF2-40B4-BE49-F238E27FC236}">
+                <a16:creationId xmlns:a16="http://schemas.microsoft.com/office/drawing/2014/main" id="{42A137B8-D8AC-464A-87EC-50DA3678CB2F}"/>
+              </a:ext>
+            </a:extLst>
+          </p:cNvPr>
+          <p:cNvSpPr txBox="1"/>
+          <p:nvPr/>
+        </p:nvSpPr>
+        <p:spPr>
+          <a:xfrm>
+            <a:off x="7750686" y="3464843"/>
+            <a:ext cx="1682751" cy="461665"/>
+          </a:xfrm>
+          <a:prstGeom prst="rect">
+            <a:avLst/>
+          </a:prstGeom>
+          <a:noFill/>
+        </p:spPr>
+        <p:txBody>
+          <a:bodyPr wrap="square" rtlCol="0">
+            <a:spAutoFit/>
+          </a:bodyPr>
+          <a:lstStyle/>
+          <a:p>
+            <a:pPr algn="ctr"/>
+            <a:r>
+              <a:rPr lang="de-DE" sz="2400" b="1" dirty="0">
+                <a:solidFill>
+                  <a:schemeClr val="accent3"/>
+                </a:solidFill>
+              </a:rPr>
+              <a:t>C#</a:t>
+            </a:r>
+            <a:endParaRPr lang="de-DE" b="1" dirty="0">
+              <a:solidFill>
+                <a:schemeClr val="accent3"/>
+              </a:solidFill>
+            </a:endParaRPr>
+          </a:p>
+        </p:txBody>
+      </p:sp>
+    </p:spTree>
+    <p:extLst>
+      <p:ext uri="{BB962C8B-B14F-4D97-AF65-F5344CB8AC3E}">
+        <p14:creationId xmlns:p14="http://schemas.microsoft.com/office/powerpoint/2010/main" val="2755904684"/>
+      </p:ext>
+    </p:extLst>
+  </p:cSld>
+  <p:clrMapOvr>
+    <a:masterClrMapping/>
+  </p:clrMapOvr>
+</p:sld>
+</file>
+
+<file path=ppt/slides/slide8.xml><?xml version="1.0" encoding="utf-8"?>
+<p:sld xmlns:a="http://schemas.openxmlformats.org/drawingml/2006/main" xmlns:r="http://schemas.openxmlformats.org/officeDocument/2006/relationships" xmlns:p="http://schemas.openxmlformats.org/presentationml/2006/main">
+  <p:cSld>
+    <p:spTree>
+      <p:nvGrpSpPr>
+        <p:cNvPr id="1" name=""/>
+        <p:cNvGrpSpPr/>
+        <p:nvPr/>
+      </p:nvGrpSpPr>
+      <p:grpSpPr>
+        <a:xfrm>
+          <a:off x="0" y="0"/>
+          <a:ext cx="0" cy="0"/>
+          <a:chOff x="0" y="0"/>
+          <a:chExt cx="0" cy="0"/>
+        </a:xfrm>
+      </p:grpSpPr>
       <p:sp>
         <p:nvSpPr>
           <p:cNvPr id="2" name="Titel 1">
@@ -4250,7 +5158,7 @@
 </p:sld>
 </file>
 
-<file path=ppt/slides/slide8.xml><?xml version="1.0" encoding="utf-8"?>
+<file path=ppt/slides/slide9.xml><?xml version="1.0" encoding="utf-8"?>
 <p:sld xmlns:a="http://schemas.openxmlformats.org/drawingml/2006/main" xmlns:r="http://schemas.openxmlformats.org/officeDocument/2006/relationships" xmlns:p="http://schemas.openxmlformats.org/presentationml/2006/main">
   <p:cSld>
     <p:spTree>
@@ -4626,4 +5534,299 @@
     </a:ext>
   </a:extLst>
 </a:theme>
+</file>
+
+<file path=ppt/theme/theme2.xml><?xml version="1.0" encoding="utf-8"?>
+<a:theme xmlns:a="http://schemas.openxmlformats.org/drawingml/2006/main" name="Office">
+  <a:themeElements>
+    <a:clrScheme name="Office">
+      <a:dk1>
+        <a:sysClr val="windowText" lastClr="000000"/>
+      </a:dk1>
+      <a:lt1>
+        <a:sysClr val="window" lastClr="FFFFFF"/>
+      </a:lt1>
+      <a:dk2>
+        <a:srgbClr val="44546A"/>
+      </a:dk2>
+      <a:lt2>
+        <a:srgbClr val="E7E6E6"/>
+      </a:lt2>
+      <a:accent1>
+        <a:srgbClr val="4472C4"/>
+      </a:accent1>
+      <a:accent2>
+        <a:srgbClr val="ED7D31"/>
+      </a:accent2>
+      <a:accent3>
+        <a:srgbClr val="A5A5A5"/>
+      </a:accent3>
+      <a:accent4>
+        <a:srgbClr val="FFC000"/>
+      </a:accent4>
+      <a:accent5>
+        <a:srgbClr val="5B9BD5"/>
+      </a:accent5>
+      <a:accent6>
+        <a:srgbClr val="70AD47"/>
+      </a:accent6>
+      <a:hlink>
+        <a:srgbClr val="0563C1"/>
+      </a:hlink>
+      <a:folHlink>
+        <a:srgbClr val="954F72"/>
+      </a:folHlink>
+    </a:clrScheme>
+    <a:fontScheme name="Office">
+      <a:majorFont>
+        <a:latin typeface="Calibri Light" panose="020F0302020204030204"/>
+        <a:ea typeface=""/>
+        <a:cs typeface=""/>
+        <a:font script="Jpan" typeface="游ゴシック Light"/>
+        <a:font script="Hang" typeface="맑은 고딕"/>
+        <a:font script="Hans" typeface="等线 Light"/>
+        <a:font script="Hant" typeface="新細明體"/>
+        <a:font script="Arab" typeface="Times New Roman"/>
+        <a:font script="Hebr" typeface="Times New Roman"/>
+        <a:font script="Thai" typeface="Angsana New"/>
+        <a:font script="Ethi" typeface="Nyala"/>
+        <a:font script="Beng" typeface="Vrinda"/>
+        <a:font script="Gujr" typeface="Shruti"/>
+        <a:font script="Khmr" typeface="MoolBoran"/>
+        <a:font script="Knda" typeface="Tunga"/>
+        <a:font script="Guru" typeface="Raavi"/>
+        <a:font script="Cans" typeface="Euphemia"/>
+        <a:font script="Cher" typeface="Plantagenet Cherokee"/>
+        <a:font script="Yiii" typeface="Microsoft Yi Baiti"/>
+        <a:font script="Tibt" typeface="Microsoft Himalaya"/>
+        <a:font script="Thaa" typeface="MV Boli"/>
+        <a:font script="Deva" typeface="Mangal"/>
+        <a:font script="Telu" typeface="Gautami"/>
+        <a:font script="Taml" typeface="Latha"/>
+        <a:font script="Syrc" typeface="Estrangelo Edessa"/>
+        <a:font script="Orya" typeface="Kalinga"/>
+        <a:font script="Mlym" typeface="Kartika"/>
+        <a:font script="Laoo" typeface="DokChampa"/>
+        <a:font script="Sinh" typeface="Iskoola Pota"/>
+        <a:font script="Mong" typeface="Mongolian Baiti"/>
+        <a:font script="Viet" typeface="Times New Roman"/>
+        <a:font script="Uigh" typeface="Microsoft Uighur"/>
+        <a:font script="Geor" typeface="Sylfaen"/>
+        <a:font script="Armn" typeface="Arial"/>
+        <a:font script="Bugi" typeface="Leelawadee UI"/>
+        <a:font script="Bopo" typeface="Microsoft JhengHei"/>
+        <a:font script="Java" typeface="Javanese Text"/>
+        <a:font script="Lisu" typeface="Segoe UI"/>
+        <a:font script="Mymr" typeface="Myanmar Text"/>
+        <a:font script="Nkoo" typeface="Ebrima"/>
+        <a:font script="Olck" typeface="Nirmala UI"/>
+        <a:font script="Osma" typeface="Ebrima"/>
+        <a:font script="Phag" typeface="Phagspa"/>
+        <a:font script="Syrn" typeface="Estrangelo Edessa"/>
+        <a:font script="Syrj" typeface="Estrangelo Edessa"/>
+        <a:font script="Syre" typeface="Estrangelo Edessa"/>
+        <a:font script="Sora" typeface="Nirmala UI"/>
+        <a:font script="Tale" typeface="Microsoft Tai Le"/>
+        <a:font script="Talu" typeface="Microsoft New Tai Lue"/>
+        <a:font script="Tfng" typeface="Ebrima"/>
+      </a:majorFont>
+      <a:minorFont>
+        <a:latin typeface="Calibri" panose="020F0502020204030204"/>
+        <a:ea typeface=""/>
+        <a:cs typeface=""/>
+        <a:font script="Jpan" typeface="游ゴシック"/>
+        <a:font script="Hang" typeface="맑은 고딕"/>
+        <a:font script="Hans" typeface="等线"/>
+        <a:font script="Hant" typeface="新細明體"/>
+        <a:font script="Arab" typeface="Arial"/>
+        <a:font script="Hebr" typeface="Arial"/>
+        <a:font script="Thai" typeface="Cordia New"/>
+        <a:font script="Ethi" typeface="Nyala"/>
+        <a:font script="Beng" typeface="Vrinda"/>
+        <a:font script="Gujr" typeface="Shruti"/>
+        <a:font script="Khmr" typeface="DaunPenh"/>
+        <a:font script="Knda" typeface="Tunga"/>
+        <a:font script="Guru" typeface="Raavi"/>
+        <a:font script="Cans" typeface="Euphemia"/>
+        <a:font script="Cher" typeface="Plantagenet Cherokee"/>
+        <a:font script="Yiii" typeface="Microsoft Yi Baiti"/>
+        <a:font script="Tibt" typeface="Microsoft Himalaya"/>
+        <a:font script="Thaa" typeface="MV Boli"/>
+        <a:font script="Deva" typeface="Mangal"/>
+        <a:font script="Telu" typeface="Gautami"/>
+        <a:font script="Taml" typeface="Latha"/>
+        <a:font script="Syrc" typeface="Estrangelo Edessa"/>
+        <a:font script="Orya" typeface="Kalinga"/>
+        <a:font script="Mlym" typeface="Kartika"/>
+        <a:font script="Laoo" typeface="DokChampa"/>
+        <a:font script="Sinh" typeface="Iskoola Pota"/>
+        <a:font script="Mong" typeface="Mongolian Baiti"/>
+        <a:font script="Viet" typeface="Arial"/>
+        <a:font script="Uigh" typeface="Microsoft Uighur"/>
+        <a:font script="Geor" typeface="Sylfaen"/>
+        <a:font script="Armn" typeface="Arial"/>
+        <a:font script="Bugi" typeface="Leelawadee UI"/>
+        <a:font script="Bopo" typeface="Microsoft JhengHei"/>
+        <a:font script="Java" typeface="Javanese Text"/>
+        <a:font script="Lisu" typeface="Segoe UI"/>
+        <a:font script="Mymr" typeface="Myanmar Text"/>
+        <a:font script="Nkoo" typeface="Ebrima"/>
+        <a:font script="Olck" typeface="Nirmala UI"/>
+        <a:font script="Osma" typeface="Ebrima"/>
+        <a:font script="Phag" typeface="Phagspa"/>
+        <a:font script="Syrn" typeface="Estrangelo Edessa"/>
+        <a:font script="Syrj" typeface="Estrangelo Edessa"/>
+        <a:font script="Syre" typeface="Estrangelo Edessa"/>
+        <a:font script="Sora" typeface="Nirmala UI"/>
+        <a:font script="Tale" typeface="Microsoft Tai Le"/>
+        <a:font script="Talu" typeface="Microsoft New Tai Lue"/>
+        <a:font script="Tfng" typeface="Ebrima"/>
+      </a:minorFont>
+    </a:fontScheme>
+    <a:fmtScheme name="Office">
+      <a:fillStyleLst>
+        <a:solidFill>
+          <a:schemeClr val="phClr"/>
+        </a:solidFill>
+        <a:gradFill rotWithShape="1">
+          <a:gsLst>
+            <a:gs pos="0">
+              <a:schemeClr val="phClr">
+                <a:lumMod val="110000"/>
+                <a:satMod val="105000"/>
+                <a:tint val="67000"/>
+              </a:schemeClr>
+            </a:gs>
+            <a:gs pos="50000">
+              <a:schemeClr val="phClr">
+                <a:lumMod val="105000"/>
+                <a:satMod val="103000"/>
+                <a:tint val="73000"/>
+              </a:schemeClr>
+            </a:gs>
+            <a:gs pos="100000">
+              <a:schemeClr val="phClr">
+                <a:lumMod val="105000"/>
+                <a:satMod val="109000"/>
+                <a:tint val="81000"/>
+              </a:schemeClr>
+            </a:gs>
+          </a:gsLst>
+          <a:lin ang="5400000" scaled="0"/>
+        </a:gradFill>
+        <a:gradFill rotWithShape="1">
+          <a:gsLst>
+            <a:gs pos="0">
+              <a:schemeClr val="phClr">
+                <a:satMod val="103000"/>
+                <a:lumMod val="102000"/>
+                <a:tint val="94000"/>
+              </a:schemeClr>
+            </a:gs>
+            <a:gs pos="50000">
+              <a:schemeClr val="phClr">
+                <a:satMod val="110000"/>
+                <a:lumMod val="100000"/>
+                <a:shade val="100000"/>
+              </a:schemeClr>
+            </a:gs>
+            <a:gs pos="100000">
+              <a:schemeClr val="phClr">
+                <a:lumMod val="99000"/>
+                <a:satMod val="120000"/>
+                <a:shade val="78000"/>
+              </a:schemeClr>
+            </a:gs>
+          </a:gsLst>
+          <a:lin ang="5400000" scaled="0"/>
+        </a:gradFill>
+      </a:fillStyleLst>
+      <a:lnStyleLst>
+        <a:ln w="6350" cap="flat" cmpd="sng" algn="ctr">
+          <a:solidFill>
+            <a:schemeClr val="phClr"/>
+          </a:solidFill>
+          <a:prstDash val="solid"/>
+          <a:miter lim="800000"/>
+        </a:ln>
+        <a:ln w="12700" cap="flat" cmpd="sng" algn="ctr">
+          <a:solidFill>
+            <a:schemeClr val="phClr"/>
+          </a:solidFill>
+          <a:prstDash val="solid"/>
+          <a:miter lim="800000"/>
+        </a:ln>
+        <a:ln w="19050" cap="flat" cmpd="sng" algn="ctr">
+          <a:solidFill>
+            <a:schemeClr val="phClr"/>
+          </a:solidFill>
+          <a:prstDash val="solid"/>
+          <a:miter lim="800000"/>
+        </a:ln>
+      </a:lnStyleLst>
+      <a:effectStyleLst>
+        <a:effectStyle>
+          <a:effectLst/>
+        </a:effectStyle>
+        <a:effectStyle>
+          <a:effectLst/>
+        </a:effectStyle>
+        <a:effectStyle>
+          <a:effectLst>
+            <a:outerShdw blurRad="57150" dist="19050" dir="5400000" algn="ctr" rotWithShape="0">
+              <a:srgbClr val="000000">
+                <a:alpha val="63000"/>
+              </a:srgbClr>
+            </a:outerShdw>
+          </a:effectLst>
+        </a:effectStyle>
+      </a:effectStyleLst>
+      <a:bgFillStyleLst>
+        <a:solidFill>
+          <a:schemeClr val="phClr"/>
+        </a:solidFill>
+        <a:solidFill>
+          <a:schemeClr val="phClr">
+            <a:tint val="95000"/>
+            <a:satMod val="170000"/>
+          </a:schemeClr>
+        </a:solidFill>
+        <a:gradFill rotWithShape="1">
+          <a:gsLst>
+            <a:gs pos="0">
+              <a:schemeClr val="phClr">
+                <a:tint val="93000"/>
+                <a:satMod val="150000"/>
+                <a:shade val="98000"/>
+                <a:lumMod val="102000"/>
+              </a:schemeClr>
+            </a:gs>
+            <a:gs pos="50000">
+              <a:schemeClr val="phClr">
+                <a:tint val="98000"/>
+                <a:satMod val="130000"/>
+                <a:shade val="90000"/>
+                <a:lumMod val="103000"/>
+              </a:schemeClr>
+            </a:gs>
+            <a:gs pos="100000">
+              <a:schemeClr val="phClr">
+                <a:shade val="63000"/>
+                <a:satMod val="120000"/>
+              </a:schemeClr>
+            </a:gs>
+          </a:gsLst>
+          <a:lin ang="5400000" scaled="0"/>
+        </a:gradFill>
+      </a:bgFillStyleLst>
+    </a:fmtScheme>
+  </a:themeElements>
+  <a:objectDefaults/>
+  <a:extraClrSchemeLst/>
+  <a:extLst>
+    <a:ext uri="{05A4C25C-085E-4340-85A3-A5531E510DB2}">
+      <thm15:themeFamily xmlns:thm15="http://schemas.microsoft.com/office/thememl/2012/main" name="Office Theme" id="{62F939B6-93AF-4DB8-9C6B-D6C7DFDC589F}" vid="{4A3C46E8-61CC-4603-A589-7422A47A8E4A}"/>
+    </a:ext>
+  </a:extLst>
+</a:theme>
 </file>
--- a/stonehengeChromely.pptx
+++ b/stonehengeChromely.pptx
@@ -5,7 +5,7 @@
     <p:sldMasterId id="2147483648" r:id="rId1"/>
   </p:sldMasterIdLst>
   <p:notesMasterIdLst>
-    <p:notesMasterId r:id="rId11"/>
+    <p:notesMasterId r:id="rId13"/>
   </p:notesMasterIdLst>
   <p:sldIdLst>
     <p:sldId id="256" r:id="rId2"/>
@@ -13,10 +13,12 @@
     <p:sldId id="258" r:id="rId4"/>
     <p:sldId id="259" r:id="rId5"/>
     <p:sldId id="263" r:id="rId6"/>
-    <p:sldId id="262" r:id="rId7"/>
-    <p:sldId id="264" r:id="rId8"/>
-    <p:sldId id="260" r:id="rId9"/>
-    <p:sldId id="261" r:id="rId10"/>
+    <p:sldId id="265" r:id="rId7"/>
+    <p:sldId id="266" r:id="rId8"/>
+    <p:sldId id="262" r:id="rId9"/>
+    <p:sldId id="264" r:id="rId10"/>
+    <p:sldId id="260" r:id="rId11"/>
+    <p:sldId id="261" r:id="rId12"/>
   </p:sldIdLst>
   <p:sldSz cx="12192000" cy="6858000"/>
   <p:notesSz cx="6858000" cy="9144000"/>
@@ -205,7 +207,7 @@
           <a:p>
             <a:fld id="{48876805-D814-49AD-A4D2-A14BF4375319}" type="datetimeFigureOut">
               <a:rPr lang="de-DE" smtClean="0"/>
-              <a:t>08.06.2019</a:t>
+              <a:t>10.06.2019</a:t>
             </a:fld>
             <a:endParaRPr lang="de-DE"/>
           </a:p>
@@ -623,6 +625,90 @@
           <a:bodyPr/>
           <a:lstStyle/>
           <a:p>
+            <a:endParaRPr lang="de-DE"/>
+          </a:p>
+        </p:txBody>
+      </p:sp>
+      <p:sp>
+        <p:nvSpPr>
+          <p:cNvPr id="4" name="Foliennummernplatzhalter 3"/>
+          <p:cNvSpPr>
+            <a:spLocks noGrp="1"/>
+          </p:cNvSpPr>
+          <p:nvPr>
+            <p:ph type="sldNum" sz="quarter" idx="5"/>
+          </p:nvPr>
+        </p:nvSpPr>
+        <p:spPr/>
+        <p:txBody>
+          <a:bodyPr/>
+          <a:lstStyle/>
+          <a:p>
+            <a:fld id="{C14B8083-629E-482F-B439-E9A81033C764}" type="slidenum">
+              <a:rPr lang="de-DE" smtClean="0"/>
+              <a:t>5</a:t>
+            </a:fld>
+            <a:endParaRPr lang="de-DE"/>
+          </a:p>
+        </p:txBody>
+      </p:sp>
+    </p:spTree>
+    <p:extLst>
+      <p:ext uri="{BB962C8B-B14F-4D97-AF65-F5344CB8AC3E}">
+        <p14:creationId xmlns:p14="http://schemas.microsoft.com/office/powerpoint/2010/main" val="2869935833"/>
+      </p:ext>
+    </p:extLst>
+  </p:cSld>
+  <p:clrMapOvr>
+    <a:masterClrMapping/>
+  </p:clrMapOvr>
+</p:notes>
+</file>
+
+<file path=ppt/notesSlides/notesSlide3.xml><?xml version="1.0" encoding="utf-8"?>
+<p:notes xmlns:a="http://schemas.openxmlformats.org/drawingml/2006/main" xmlns:r="http://schemas.openxmlformats.org/officeDocument/2006/relationships" xmlns:p="http://schemas.openxmlformats.org/presentationml/2006/main">
+  <p:cSld>
+    <p:spTree>
+      <p:nvGrpSpPr>
+        <p:cNvPr id="1" name=""/>
+        <p:cNvGrpSpPr/>
+        <p:nvPr/>
+      </p:nvGrpSpPr>
+      <p:grpSpPr>
+        <a:xfrm>
+          <a:off x="0" y="0"/>
+          <a:ext cx="0" cy="0"/>
+          <a:chOff x="0" y="0"/>
+          <a:chExt cx="0" cy="0"/>
+        </a:xfrm>
+      </p:grpSpPr>
+      <p:sp>
+        <p:nvSpPr>
+          <p:cNvPr id="2" name="Folienbildplatzhalter 1"/>
+          <p:cNvSpPr>
+            <a:spLocks noGrp="1" noRot="1" noChangeAspect="1"/>
+          </p:cNvSpPr>
+          <p:nvPr>
+            <p:ph type="sldImg"/>
+          </p:nvPr>
+        </p:nvSpPr>
+        <p:spPr/>
+      </p:sp>
+      <p:sp>
+        <p:nvSpPr>
+          <p:cNvPr id="3" name="Notizenplatzhalter 2"/>
+          <p:cNvSpPr>
+            <a:spLocks noGrp="1"/>
+          </p:cNvSpPr>
+          <p:nvPr>
+            <p:ph type="body" idx="1"/>
+          </p:nvPr>
+        </p:nvSpPr>
+        <p:spPr/>
+        <p:txBody>
+          <a:bodyPr/>
+          <a:lstStyle/>
+          <a:p>
             <a:r>
               <a:rPr lang="de-DE" dirty="0" err="1"/>
               <a:t>Presentation</a:t>
@@ -677,7 +763,7 @@
           <a:p>
             <a:fld id="{C14B8083-629E-482F-B439-E9A81033C764}" type="slidenum">
               <a:rPr lang="de-DE" smtClean="0"/>
-              <a:t>6</a:t>
+              <a:t>8</a:t>
             </a:fld>
             <a:endParaRPr lang="de-DE"/>
           </a:p>
@@ -843,7 +929,7 @@
           <a:p>
             <a:fld id="{79FE5C41-353F-4262-932C-7692C85C322C}" type="datetimeFigureOut">
               <a:rPr lang="de-DE" smtClean="0"/>
-              <a:t>08.06.2019</a:t>
+              <a:t>10.06.2019</a:t>
             </a:fld>
             <a:endParaRPr lang="de-DE"/>
           </a:p>
@@ -1041,7 +1127,7 @@
           <a:p>
             <a:fld id="{79FE5C41-353F-4262-932C-7692C85C322C}" type="datetimeFigureOut">
               <a:rPr lang="de-DE" smtClean="0"/>
-              <a:t>08.06.2019</a:t>
+              <a:t>10.06.2019</a:t>
             </a:fld>
             <a:endParaRPr lang="de-DE"/>
           </a:p>
@@ -1249,7 +1335,7 @@
           <a:p>
             <a:fld id="{79FE5C41-353F-4262-932C-7692C85C322C}" type="datetimeFigureOut">
               <a:rPr lang="de-DE" smtClean="0"/>
-              <a:t>08.06.2019</a:t>
+              <a:t>10.06.2019</a:t>
             </a:fld>
             <a:endParaRPr lang="de-DE"/>
           </a:p>
@@ -1447,7 +1533,7 @@
           <a:p>
             <a:fld id="{79FE5C41-353F-4262-932C-7692C85C322C}" type="datetimeFigureOut">
               <a:rPr lang="de-DE" smtClean="0"/>
-              <a:t>08.06.2019</a:t>
+              <a:t>10.06.2019</a:t>
             </a:fld>
             <a:endParaRPr lang="de-DE"/>
           </a:p>
@@ -1722,7 +1808,7 @@
           <a:p>
             <a:fld id="{79FE5C41-353F-4262-932C-7692C85C322C}" type="datetimeFigureOut">
               <a:rPr lang="de-DE" smtClean="0"/>
-              <a:t>08.06.2019</a:t>
+              <a:t>10.06.2019</a:t>
             </a:fld>
             <a:endParaRPr lang="de-DE"/>
           </a:p>
@@ -1987,7 +2073,7 @@
           <a:p>
             <a:fld id="{79FE5C41-353F-4262-932C-7692C85C322C}" type="datetimeFigureOut">
               <a:rPr lang="de-DE" smtClean="0"/>
-              <a:t>08.06.2019</a:t>
+              <a:t>10.06.2019</a:t>
             </a:fld>
             <a:endParaRPr lang="de-DE"/>
           </a:p>
@@ -2399,7 +2485,7 @@
           <a:p>
             <a:fld id="{79FE5C41-353F-4262-932C-7692C85C322C}" type="datetimeFigureOut">
               <a:rPr lang="de-DE" smtClean="0"/>
-              <a:t>08.06.2019</a:t>
+              <a:t>10.06.2019</a:t>
             </a:fld>
             <a:endParaRPr lang="de-DE"/>
           </a:p>
@@ -2540,7 +2626,7 @@
           <a:p>
             <a:fld id="{79FE5C41-353F-4262-932C-7692C85C322C}" type="datetimeFigureOut">
               <a:rPr lang="de-DE" smtClean="0"/>
-              <a:t>08.06.2019</a:t>
+              <a:t>10.06.2019</a:t>
             </a:fld>
             <a:endParaRPr lang="de-DE"/>
           </a:p>
@@ -2653,7 +2739,7 @@
           <a:p>
             <a:fld id="{79FE5C41-353F-4262-932C-7692C85C322C}" type="datetimeFigureOut">
               <a:rPr lang="de-DE" smtClean="0"/>
-              <a:t>08.06.2019</a:t>
+              <a:t>10.06.2019</a:t>
             </a:fld>
             <a:endParaRPr lang="de-DE"/>
           </a:p>
@@ -2964,7 +3050,7 @@
           <a:p>
             <a:fld id="{79FE5C41-353F-4262-932C-7692C85C322C}" type="datetimeFigureOut">
               <a:rPr lang="de-DE" smtClean="0"/>
-              <a:t>08.06.2019</a:t>
+              <a:t>10.06.2019</a:t>
             </a:fld>
             <a:endParaRPr lang="de-DE"/>
           </a:p>
@@ -3252,7 +3338,7 @@
           <a:p>
             <a:fld id="{79FE5C41-353F-4262-932C-7692C85C322C}" type="datetimeFigureOut">
               <a:rPr lang="de-DE" smtClean="0"/>
-              <a:t>08.06.2019</a:t>
+              <a:t>10.06.2019</a:t>
             </a:fld>
             <a:endParaRPr lang="de-DE"/>
           </a:p>
@@ -3493,7 +3579,7 @@
           <a:p>
             <a:fld id="{79FE5C41-353F-4262-932C-7692C85C322C}" type="datetimeFigureOut">
               <a:rPr lang="de-DE" smtClean="0"/>
-              <a:t>08.06.2019</a:t>
+              <a:t>10.06.2019</a:t>
             </a:fld>
             <a:endParaRPr lang="de-DE"/>
           </a:p>
@@ -4013,6 +4099,185 @@
 </p:sld>
 </file>
 
+<file path=ppt/slides/slide10.xml><?xml version="1.0" encoding="utf-8"?>
+<p:sld xmlns:a="http://schemas.openxmlformats.org/drawingml/2006/main" xmlns:r="http://schemas.openxmlformats.org/officeDocument/2006/relationships" xmlns:p="http://schemas.openxmlformats.org/presentationml/2006/main">
+  <p:cSld>
+    <p:spTree>
+      <p:nvGrpSpPr>
+        <p:cNvPr id="1" name=""/>
+        <p:cNvGrpSpPr/>
+        <p:nvPr/>
+      </p:nvGrpSpPr>
+      <p:grpSpPr>
+        <a:xfrm>
+          <a:off x="0" y="0"/>
+          <a:ext cx="0" cy="0"/>
+          <a:chOff x="0" y="0"/>
+          <a:chExt cx="0" cy="0"/>
+        </a:xfrm>
+      </p:grpSpPr>
+      <p:sp>
+        <p:nvSpPr>
+          <p:cNvPr id="2" name="Titel 1">
+            <a:extLst>
+              <a:ext uri="{FF2B5EF4-FFF2-40B4-BE49-F238E27FC236}">
+                <a16:creationId xmlns:a16="http://schemas.microsoft.com/office/drawing/2014/main" id="{4A3A0213-0994-43DE-9102-0ADE1836A366}"/>
+              </a:ext>
+            </a:extLst>
+          </p:cNvPr>
+          <p:cNvSpPr>
+            <a:spLocks noGrp="1"/>
+          </p:cNvSpPr>
+          <p:nvPr>
+            <p:ph type="title"/>
+          </p:nvPr>
+        </p:nvSpPr>
+        <p:spPr/>
+        <p:txBody>
+          <a:bodyPr/>
+          <a:lstStyle/>
+          <a:p>
+            <a:r>
+              <a:rPr lang="de-DE" dirty="0"/>
+              <a:t>Bring </a:t>
+            </a:r>
+            <a:r>
+              <a:rPr lang="de-DE" dirty="0" err="1"/>
+              <a:t>it</a:t>
+            </a:r>
+            <a:r>
+              <a:rPr lang="de-DE" dirty="0"/>
+              <a:t> </a:t>
+            </a:r>
+            <a:r>
+              <a:rPr lang="de-DE" dirty="0" err="1"/>
+              <a:t>together</a:t>
+            </a:r>
+            <a:endParaRPr lang="de-DE" dirty="0"/>
+          </a:p>
+        </p:txBody>
+      </p:sp>
+      <p:sp>
+        <p:nvSpPr>
+          <p:cNvPr id="3" name="Inhaltsplatzhalter 2">
+            <a:extLst>
+              <a:ext uri="{FF2B5EF4-FFF2-40B4-BE49-F238E27FC236}">
+                <a16:creationId xmlns:a16="http://schemas.microsoft.com/office/drawing/2014/main" id="{DCD714F4-40F0-4F79-AAE9-C2031E6CD4DB}"/>
+              </a:ext>
+            </a:extLst>
+          </p:cNvPr>
+          <p:cNvSpPr>
+            <a:spLocks noGrp="1"/>
+          </p:cNvSpPr>
+          <p:nvPr>
+            <p:ph idx="1"/>
+          </p:nvPr>
+        </p:nvSpPr>
+        <p:spPr/>
+        <p:txBody>
+          <a:bodyPr/>
+          <a:lstStyle/>
+          <a:p>
+            <a:endParaRPr lang="de-DE" dirty="0"/>
+          </a:p>
+        </p:txBody>
+      </p:sp>
+    </p:spTree>
+    <p:extLst>
+      <p:ext uri="{BB962C8B-B14F-4D97-AF65-F5344CB8AC3E}">
+        <p14:creationId xmlns:p14="http://schemas.microsoft.com/office/powerpoint/2010/main" val="2494870164"/>
+      </p:ext>
+    </p:extLst>
+  </p:cSld>
+  <p:clrMapOvr>
+    <a:masterClrMapping/>
+  </p:clrMapOvr>
+</p:sld>
+</file>
+
+<file path=ppt/slides/slide11.xml><?xml version="1.0" encoding="utf-8"?>
+<p:sld xmlns:a="http://schemas.openxmlformats.org/drawingml/2006/main" xmlns:r="http://schemas.openxmlformats.org/officeDocument/2006/relationships" xmlns:p="http://schemas.openxmlformats.org/presentationml/2006/main">
+  <p:cSld>
+    <p:spTree>
+      <p:nvGrpSpPr>
+        <p:cNvPr id="1" name=""/>
+        <p:cNvGrpSpPr/>
+        <p:nvPr/>
+      </p:nvGrpSpPr>
+      <p:grpSpPr>
+        <a:xfrm>
+          <a:off x="0" y="0"/>
+          <a:ext cx="0" cy="0"/>
+          <a:chOff x="0" y="0"/>
+          <a:chExt cx="0" cy="0"/>
+        </a:xfrm>
+      </p:grpSpPr>
+      <p:sp>
+        <p:nvSpPr>
+          <p:cNvPr id="2" name="Titel 1">
+            <a:extLst>
+              <a:ext uri="{FF2B5EF4-FFF2-40B4-BE49-F238E27FC236}">
+                <a16:creationId xmlns:a16="http://schemas.microsoft.com/office/drawing/2014/main" id="{7E187147-3E75-437A-9417-FA737509D3BF}"/>
+              </a:ext>
+            </a:extLst>
+          </p:cNvPr>
+          <p:cNvSpPr>
+            <a:spLocks noGrp="1"/>
+          </p:cNvSpPr>
+          <p:nvPr>
+            <p:ph type="title"/>
+          </p:nvPr>
+        </p:nvSpPr>
+        <p:spPr/>
+        <p:txBody>
+          <a:bodyPr/>
+          <a:lstStyle/>
+          <a:p>
+            <a:r>
+              <a:rPr lang="de-DE" dirty="0"/>
+              <a:t>Vus.js</a:t>
+            </a:r>
+          </a:p>
+        </p:txBody>
+      </p:sp>
+      <p:sp>
+        <p:nvSpPr>
+          <p:cNvPr id="3" name="Inhaltsplatzhalter 2">
+            <a:extLst>
+              <a:ext uri="{FF2B5EF4-FFF2-40B4-BE49-F238E27FC236}">
+                <a16:creationId xmlns:a16="http://schemas.microsoft.com/office/drawing/2014/main" id="{896A096A-AE3A-479B-8DE5-37B845C99D0E}"/>
+              </a:ext>
+            </a:extLst>
+          </p:cNvPr>
+          <p:cNvSpPr>
+            <a:spLocks noGrp="1"/>
+          </p:cNvSpPr>
+          <p:nvPr>
+            <p:ph idx="1"/>
+          </p:nvPr>
+        </p:nvSpPr>
+        <p:spPr/>
+        <p:txBody>
+          <a:bodyPr/>
+          <a:lstStyle/>
+          <a:p>
+            <a:endParaRPr lang="de-DE"/>
+          </a:p>
+        </p:txBody>
+      </p:sp>
+    </p:spTree>
+    <p:extLst>
+      <p:ext uri="{BB962C8B-B14F-4D97-AF65-F5344CB8AC3E}">
+        <p14:creationId xmlns:p14="http://schemas.microsoft.com/office/powerpoint/2010/main" val="613475701"/>
+      </p:ext>
+    </p:extLst>
+  </p:cSld>
+  <p:clrMapOvr>
+    <a:masterClrMapping/>
+  </p:clrMapOvr>
+</p:sld>
+</file>
+
 <file path=ppt/slides/slide2.xml><?xml version="1.0" encoding="utf-8"?>
 <p:sld xmlns:a="http://schemas.openxmlformats.org/drawingml/2006/main" xmlns:r="http://schemas.openxmlformats.org/officeDocument/2006/relationships" xmlns:p="http://schemas.openxmlformats.org/presentationml/2006/main">
   <p:cSld>
@@ -4506,102 +4771,105 @@
           </a:p>
           <a:p>
             <a:r>
-              <a:rPr lang="de-DE" b="1" dirty="0" err="1"/>
+              <a:rPr lang="de-DE" dirty="0" err="1"/>
               <a:t>Avalonia</a:t>
             </a:r>
             <a:r>
-              <a:rPr lang="de-DE" b="1" dirty="0"/>
+              <a:rPr lang="de-DE" dirty="0"/>
               <a:t> - </a:t>
-            </a:r>
-            <a:r>
-              <a:rPr lang="de-DE" dirty="0">
-                <a:hlinkClick r:id="rId2"/>
-              </a:rPr>
-              <a:t>http://avaloniaui.net/</a:t>
-            </a:r>
-            <a:endParaRPr lang="de-DE" dirty="0"/>
-          </a:p>
-          <a:p>
-            <a:r>
-              <a:rPr lang="de-DE" b="1" dirty="0" err="1"/>
-              <a:t>OmniGUI</a:t>
-            </a:r>
-            <a:r>
-              <a:rPr lang="de-DE" b="1" dirty="0"/>
-              <a:t> - </a:t>
             </a:r>
             <a:r>
               <a:rPr lang="de-DE" dirty="0">
                 <a:hlinkClick r:id="rId3"/>
               </a:rPr>
-              <a:t>https://github.com/OmniGUI/OmniGUI</a:t>
+              <a:t>http://avaloniaui.net/</a:t>
             </a:r>
             <a:endParaRPr lang="de-DE" dirty="0"/>
           </a:p>
           <a:p>
-            <a:endParaRPr lang="de-DE" b="1" dirty="0"/>
-          </a:p>
-          <a:p>
-            <a:pPr marL="0" indent="0">
-              <a:buNone/>
-            </a:pPr>
-            <a:endParaRPr lang="de-DE" b="1" dirty="0"/>
-          </a:p>
-          <a:p>
-            <a:pPr marL="0" indent="0">
-              <a:buNone/>
-            </a:pPr>
-            <a:r>
-              <a:rPr lang="de-DE" b="1" dirty="0"/>
-              <a:t>HTML</a:t>
-            </a:r>
-          </a:p>
-          <a:p>
-            <a:r>
-              <a:rPr lang="de-DE" b="1" dirty="0" err="1"/>
-              <a:t>Electron</a:t>
-            </a:r>
-            <a:r>
-              <a:rPr lang="de-DE" b="1" dirty="0"/>
-              <a:t> - </a:t>
+            <a:r>
+              <a:rPr lang="de-DE" dirty="0" err="1"/>
+              <a:t>OmniGUI</a:t>
+            </a:r>
+            <a:r>
+              <a:rPr lang="de-DE" dirty="0"/>
+              <a:t> - </a:t>
             </a:r>
             <a:r>
               <a:rPr lang="de-DE" dirty="0">
                 <a:hlinkClick r:id="rId4"/>
               </a:rPr>
-              <a:t>https://electronjs.org/ </a:t>
+              <a:t>https://github.com/OmniGUI/OmniGUI</a:t>
             </a:r>
             <a:endParaRPr lang="de-DE" dirty="0"/>
           </a:p>
           <a:p>
+            <a:endParaRPr lang="de-DE" dirty="0"/>
+          </a:p>
+          <a:p>
+            <a:pPr marL="0" indent="0">
+              <a:buNone/>
+            </a:pPr>
+            <a:endParaRPr lang="de-DE" b="1" dirty="0"/>
+          </a:p>
+          <a:p>
+            <a:pPr marL="0" indent="0">
+              <a:buNone/>
+            </a:pPr>
             <a:r>
               <a:rPr lang="de-DE" b="1" dirty="0"/>
-              <a:t>Electron.NET - </a:t>
+              <a:t>HTML</a:t>
+            </a:r>
+          </a:p>
+          <a:p>
+            <a:r>
+              <a:rPr lang="de-DE" dirty="0" err="1"/>
+              <a:t>Electron</a:t>
+            </a:r>
+            <a:r>
+              <a:rPr lang="de-DE" dirty="0"/>
+              <a:t> - </a:t>
             </a:r>
             <a:r>
               <a:rPr lang="de-DE" dirty="0">
                 <a:hlinkClick r:id="rId5"/>
               </a:rPr>
-              <a:t>https://github.com/ElectronNET/Electron.NET</a:t>
+              <a:t>https://electronjs.org/ </a:t>
             </a:r>
             <a:endParaRPr lang="de-DE" dirty="0"/>
           </a:p>
           <a:p>
             <a:r>
-              <a:rPr lang="de-DE" b="1" dirty="0" err="1"/>
-              <a:t>Blazor</a:t>
-            </a:r>
-            <a:r>
-              <a:rPr lang="de-DE" b="1" dirty="0"/>
-              <a:t> - </a:t>
+              <a:rPr lang="de-DE" dirty="0"/>
+              <a:t>Electron.NET - </a:t>
             </a:r>
             <a:r>
               <a:rPr lang="de-DE" dirty="0">
                 <a:hlinkClick r:id="rId6"/>
               </a:rPr>
-              <a:t>http://blazot.net/</a:t>
-            </a:r>
-            <a:endParaRPr lang="de-DE" b="1" dirty="0"/>
+              <a:t>https://github.com/ElectronNET/Electron.NET</a:t>
+            </a:r>
+            <a:endParaRPr lang="de-DE" dirty="0"/>
+          </a:p>
+          <a:p>
+            <a:r>
+              <a:rPr lang="de-DE" dirty="0" err="1"/>
+              <a:t>Blazor</a:t>
+            </a:r>
+            <a:r>
+              <a:rPr lang="de-DE" dirty="0"/>
+              <a:t> - </a:t>
+            </a:r>
+            <a:r>
+              <a:rPr lang="de-DE" dirty="0">
+                <a:hlinkClick r:id="rId7"/>
+              </a:rPr>
+              <a:t>https://dotnet.microsoft.com/apps/aspnet/web-apps/client</a:t>
+            </a:r>
+            <a:r>
+              <a:rPr lang="de-DE" dirty="0"/>
+              <a:t> </a:t>
+            </a:r>
           </a:p>
           <a:p>
             <a:endParaRPr lang="de-DE" dirty="0"/>
@@ -4628,6 +4896,313 @@
 </file>
 
 <file path=ppt/slides/slide6.xml><?xml version="1.0" encoding="utf-8"?>
+<p:sld xmlns:a="http://schemas.openxmlformats.org/drawingml/2006/main" xmlns:r="http://schemas.openxmlformats.org/officeDocument/2006/relationships" xmlns:p="http://schemas.openxmlformats.org/presentationml/2006/main">
+  <p:cSld>
+    <p:spTree>
+      <p:nvGrpSpPr>
+        <p:cNvPr id="1" name=""/>
+        <p:cNvGrpSpPr/>
+        <p:nvPr/>
+      </p:nvGrpSpPr>
+      <p:grpSpPr>
+        <a:xfrm>
+          <a:off x="0" y="0"/>
+          <a:ext cx="0" cy="0"/>
+          <a:chOff x="0" y="0"/>
+          <a:chExt cx="0" cy="0"/>
+        </a:xfrm>
+      </p:grpSpPr>
+      <p:sp>
+        <p:nvSpPr>
+          <p:cNvPr id="2" name="Titel 1">
+            <a:extLst>
+              <a:ext uri="{FF2B5EF4-FFF2-40B4-BE49-F238E27FC236}">
+                <a16:creationId xmlns:a16="http://schemas.microsoft.com/office/drawing/2014/main" id="{DE33DB44-5BA7-4CF5-99FF-B3966E2E1836}"/>
+              </a:ext>
+            </a:extLst>
+          </p:cNvPr>
+          <p:cNvSpPr>
+            <a:spLocks noGrp="1"/>
+          </p:cNvSpPr>
+          <p:nvPr>
+            <p:ph type="title"/>
+          </p:nvPr>
+        </p:nvSpPr>
+        <p:spPr/>
+        <p:txBody>
+          <a:bodyPr/>
+          <a:lstStyle/>
+          <a:p>
+            <a:r>
+              <a:rPr lang="de-DE" dirty="0"/>
+              <a:t>Design Goals</a:t>
+            </a:r>
+          </a:p>
+        </p:txBody>
+      </p:sp>
+      <p:sp>
+        <p:nvSpPr>
+          <p:cNvPr id="3" name="Inhaltsplatzhalter 2">
+            <a:extLst>
+              <a:ext uri="{FF2B5EF4-FFF2-40B4-BE49-F238E27FC236}">
+                <a16:creationId xmlns:a16="http://schemas.microsoft.com/office/drawing/2014/main" id="{EC99FC0D-0AF8-4F25-A811-62F74EE3300C}"/>
+              </a:ext>
+            </a:extLst>
+          </p:cNvPr>
+          <p:cNvSpPr>
+            <a:spLocks noGrp="1"/>
+          </p:cNvSpPr>
+          <p:nvPr>
+            <p:ph idx="1"/>
+          </p:nvPr>
+        </p:nvSpPr>
+        <p:spPr>
+          <a:xfrm>
+            <a:off x="838200" y="1825625"/>
+            <a:ext cx="10515600" cy="4351338"/>
+          </a:xfrm>
+        </p:spPr>
+        <p:txBody>
+          <a:bodyPr>
+            <a:normAutofit/>
+          </a:bodyPr>
+          <a:lstStyle/>
+          <a:p>
+            <a:r>
+              <a:rPr lang="de-DE" dirty="0"/>
+              <a:t>Minimal </a:t>
+            </a:r>
+            <a:r>
+              <a:rPr lang="de-DE" dirty="0" err="1"/>
+              <a:t>dependencies</a:t>
+            </a:r>
+            <a:endParaRPr lang="de-DE" dirty="0"/>
+          </a:p>
+          <a:p>
+            <a:r>
+              <a:rPr lang="de-DE" dirty="0" err="1"/>
+              <a:t>No</a:t>
+            </a:r>
+            <a:r>
+              <a:rPr lang="de-DE" dirty="0"/>
+              <a:t> JavaScript </a:t>
+            </a:r>
+            <a:r>
+              <a:rPr lang="de-DE" dirty="0" err="1"/>
+              <a:t>tooling</a:t>
+            </a:r>
+            <a:r>
+              <a:rPr lang="de-DE" dirty="0"/>
+              <a:t> (</a:t>
+            </a:r>
+            <a:r>
+              <a:rPr lang="de-DE" dirty="0" err="1"/>
+              <a:t>Node</a:t>
+            </a:r>
+            <a:r>
+              <a:rPr lang="de-DE" dirty="0"/>
+              <a:t>) </a:t>
+            </a:r>
+            <a:r>
+              <a:rPr lang="de-DE" dirty="0" err="1"/>
+              <a:t>required</a:t>
+            </a:r>
+            <a:endParaRPr lang="de-DE" dirty="0"/>
+          </a:p>
+          <a:p>
+            <a:r>
+              <a:rPr lang="de-DE" dirty="0" err="1"/>
+              <a:t>No</a:t>
+            </a:r>
+            <a:r>
+              <a:rPr lang="de-DE" dirty="0"/>
+              <a:t> JavaScript </a:t>
+            </a:r>
+            <a:r>
+              <a:rPr lang="de-DE" dirty="0" err="1"/>
+              <a:t>usage</a:t>
+            </a:r>
+            <a:r>
+              <a:rPr lang="de-DE" dirty="0"/>
+              <a:t> </a:t>
+            </a:r>
+            <a:r>
+              <a:rPr lang="de-DE" dirty="0" err="1"/>
+              <a:t>for</a:t>
+            </a:r>
+            <a:r>
+              <a:rPr lang="de-DE" dirty="0"/>
+              <a:t> </a:t>
+            </a:r>
+            <a:r>
+              <a:rPr lang="de-DE" dirty="0" err="1"/>
+              <a:t>standard</a:t>
+            </a:r>
+            <a:r>
+              <a:rPr lang="de-DE" dirty="0"/>
+              <a:t> </a:t>
+            </a:r>
+            <a:r>
+              <a:rPr lang="de-DE" dirty="0" err="1"/>
+              <a:t>problems</a:t>
+            </a:r>
+            <a:endParaRPr lang="de-DE" dirty="0"/>
+          </a:p>
+          <a:p>
+            <a:endParaRPr lang="de-DE" b="1" dirty="0"/>
+          </a:p>
+          <a:p>
+            <a:endParaRPr lang="de-DE" dirty="0"/>
+          </a:p>
+        </p:txBody>
+      </p:sp>
+    </p:spTree>
+    <p:extLst>
+      <p:ext uri="{BB962C8B-B14F-4D97-AF65-F5344CB8AC3E}">
+        <p14:creationId xmlns:p14="http://schemas.microsoft.com/office/powerpoint/2010/main" val="1555778263"/>
+      </p:ext>
+    </p:extLst>
+  </p:cSld>
+  <p:clrMapOvr>
+    <a:masterClrMapping/>
+  </p:clrMapOvr>
+</p:sld>
+</file>
+
+<file path=ppt/slides/slide7.xml><?xml version="1.0" encoding="utf-8"?>
+<p:sld xmlns:a="http://schemas.openxmlformats.org/drawingml/2006/main" xmlns:r="http://schemas.openxmlformats.org/officeDocument/2006/relationships" xmlns:p="http://schemas.openxmlformats.org/presentationml/2006/main">
+  <p:cSld>
+    <p:spTree>
+      <p:nvGrpSpPr>
+        <p:cNvPr id="1" name=""/>
+        <p:cNvGrpSpPr/>
+        <p:nvPr/>
+      </p:nvGrpSpPr>
+      <p:grpSpPr>
+        <a:xfrm>
+          <a:off x="0" y="0"/>
+          <a:ext cx="0" cy="0"/>
+          <a:chOff x="0" y="0"/>
+          <a:chExt cx="0" cy="0"/>
+        </a:xfrm>
+      </p:grpSpPr>
+      <p:sp>
+        <p:nvSpPr>
+          <p:cNvPr id="2" name="Titel 1">
+            <a:extLst>
+              <a:ext uri="{FF2B5EF4-FFF2-40B4-BE49-F238E27FC236}">
+                <a16:creationId xmlns:a16="http://schemas.microsoft.com/office/drawing/2014/main" id="{DE33DB44-5BA7-4CF5-99FF-B3966E2E1836}"/>
+              </a:ext>
+            </a:extLst>
+          </p:cNvPr>
+          <p:cNvSpPr>
+            <a:spLocks noGrp="1"/>
+          </p:cNvSpPr>
+          <p:nvPr>
+            <p:ph type="title"/>
+          </p:nvPr>
+        </p:nvSpPr>
+        <p:spPr/>
+        <p:txBody>
+          <a:bodyPr/>
+          <a:lstStyle/>
+          <a:p>
+            <a:r>
+              <a:rPr lang="de-DE" dirty="0"/>
+              <a:t>Electron.NET</a:t>
+            </a:r>
+          </a:p>
+        </p:txBody>
+      </p:sp>
+      <p:sp>
+        <p:nvSpPr>
+          <p:cNvPr id="3" name="Inhaltsplatzhalter 2">
+            <a:extLst>
+              <a:ext uri="{FF2B5EF4-FFF2-40B4-BE49-F238E27FC236}">
+                <a16:creationId xmlns:a16="http://schemas.microsoft.com/office/drawing/2014/main" id="{EC99FC0D-0AF8-4F25-A811-62F74EE3300C}"/>
+              </a:ext>
+            </a:extLst>
+          </p:cNvPr>
+          <p:cNvSpPr>
+            <a:spLocks noGrp="1"/>
+          </p:cNvSpPr>
+          <p:nvPr>
+            <p:ph idx="1"/>
+          </p:nvPr>
+        </p:nvSpPr>
+        <p:spPr>
+          <a:xfrm>
+            <a:off x="838200" y="1825625"/>
+            <a:ext cx="10515600" cy="4351338"/>
+          </a:xfrm>
+        </p:spPr>
+        <p:txBody>
+          <a:bodyPr>
+            <a:normAutofit/>
+          </a:bodyPr>
+          <a:lstStyle/>
+          <a:p>
+            <a:pPr marL="0" indent="0">
+              <a:buNone/>
+            </a:pPr>
+            <a:r>
+              <a:rPr lang="en-US" b="1" dirty="0"/>
+              <a:t>Tooling</a:t>
+            </a:r>
+          </a:p>
+          <a:p>
+            <a:r>
+              <a:rPr lang="en-US" dirty="0"/>
+              <a:t>dotnet tool install </a:t>
+            </a:r>
+            <a:r>
+              <a:rPr lang="en-US" dirty="0" err="1"/>
+              <a:t>ElectronNET.CLI</a:t>
+            </a:r>
+            <a:r>
+              <a:rPr lang="en-US" dirty="0"/>
+              <a:t> -g</a:t>
+            </a:r>
+            <a:endParaRPr lang="de-DE" dirty="0"/>
+          </a:p>
+          <a:p>
+            <a:r>
+              <a:rPr lang="de-DE" dirty="0"/>
+              <a:t>node.js v8.6.0</a:t>
+            </a:r>
+          </a:p>
+          <a:p>
+            <a:r>
+              <a:rPr lang="en-US" dirty="0" err="1"/>
+              <a:t>npm</a:t>
+            </a:r>
+            <a:r>
+              <a:rPr lang="en-US" dirty="0"/>
+              <a:t> install electron-builder –global</a:t>
+            </a:r>
+          </a:p>
+          <a:p>
+            <a:pPr marL="0" indent="0">
+              <a:buNone/>
+            </a:pPr>
+            <a:endParaRPr lang="de-DE" dirty="0"/>
+          </a:p>
+        </p:txBody>
+      </p:sp>
+    </p:spTree>
+    <p:extLst>
+      <p:ext uri="{BB962C8B-B14F-4D97-AF65-F5344CB8AC3E}">
+        <p14:creationId xmlns:p14="http://schemas.microsoft.com/office/powerpoint/2010/main" val="3043903607"/>
+      </p:ext>
+    </p:extLst>
+  </p:cSld>
+  <p:clrMapOvr>
+    <a:masterClrMapping/>
+  </p:clrMapOvr>
+</p:sld>
+</file>
+
+<file path=ppt/slides/slide8.xml><?xml version="1.0" encoding="utf-8"?>
 <p:sld xmlns:a="http://schemas.openxmlformats.org/drawingml/2006/main" xmlns:r="http://schemas.openxmlformats.org/officeDocument/2006/relationships" xmlns:p="http://schemas.openxmlformats.org/presentationml/2006/main">
   <p:cSld>
     <p:spTree>
@@ -4774,7 +5349,7 @@
 </p:sld>
 </file>
 
-<file path=ppt/slides/slide7.xml><?xml version="1.0" encoding="utf-8"?>
+<file path=ppt/slides/slide9.xml><?xml version="1.0" encoding="utf-8"?>
 <p:sld xmlns:a="http://schemas.openxmlformats.org/drawingml/2006/main" xmlns:r="http://schemas.openxmlformats.org/officeDocument/2006/relationships" xmlns:p="http://schemas.openxmlformats.org/presentationml/2006/main">
   <p:cSld>
     <p:spTree>
@@ -5053,185 +5628,6 @@
     <p:extLst>
       <p:ext uri="{BB962C8B-B14F-4D97-AF65-F5344CB8AC3E}">
         <p14:creationId xmlns:p14="http://schemas.microsoft.com/office/powerpoint/2010/main" val="2755904684"/>
-      </p:ext>
-    </p:extLst>
-  </p:cSld>
-  <p:clrMapOvr>
-    <a:masterClrMapping/>
-  </p:clrMapOvr>
-</p:sld>
-</file>
-
-<file path=ppt/slides/slide8.xml><?xml version="1.0" encoding="utf-8"?>
-<p:sld xmlns:a="http://schemas.openxmlformats.org/drawingml/2006/main" xmlns:r="http://schemas.openxmlformats.org/officeDocument/2006/relationships" xmlns:p="http://schemas.openxmlformats.org/presentationml/2006/main">
-  <p:cSld>
-    <p:spTree>
-      <p:nvGrpSpPr>
-        <p:cNvPr id="1" name=""/>
-        <p:cNvGrpSpPr/>
-        <p:nvPr/>
-      </p:nvGrpSpPr>
-      <p:grpSpPr>
-        <a:xfrm>
-          <a:off x="0" y="0"/>
-          <a:ext cx="0" cy="0"/>
-          <a:chOff x="0" y="0"/>
-          <a:chExt cx="0" cy="0"/>
-        </a:xfrm>
-      </p:grpSpPr>
-      <p:sp>
-        <p:nvSpPr>
-          <p:cNvPr id="2" name="Titel 1">
-            <a:extLst>
-              <a:ext uri="{FF2B5EF4-FFF2-40B4-BE49-F238E27FC236}">
-                <a16:creationId xmlns:a16="http://schemas.microsoft.com/office/drawing/2014/main" id="{4A3A0213-0994-43DE-9102-0ADE1836A366}"/>
-              </a:ext>
-            </a:extLst>
-          </p:cNvPr>
-          <p:cNvSpPr>
-            <a:spLocks noGrp="1"/>
-          </p:cNvSpPr>
-          <p:nvPr>
-            <p:ph type="title"/>
-          </p:nvPr>
-        </p:nvSpPr>
-        <p:spPr/>
-        <p:txBody>
-          <a:bodyPr/>
-          <a:lstStyle/>
-          <a:p>
-            <a:r>
-              <a:rPr lang="de-DE" dirty="0"/>
-              <a:t>Bring </a:t>
-            </a:r>
-            <a:r>
-              <a:rPr lang="de-DE" dirty="0" err="1"/>
-              <a:t>it</a:t>
-            </a:r>
-            <a:r>
-              <a:rPr lang="de-DE" dirty="0"/>
-              <a:t> </a:t>
-            </a:r>
-            <a:r>
-              <a:rPr lang="de-DE" dirty="0" err="1"/>
-              <a:t>together</a:t>
-            </a:r>
-            <a:endParaRPr lang="de-DE" dirty="0"/>
-          </a:p>
-        </p:txBody>
-      </p:sp>
-      <p:sp>
-        <p:nvSpPr>
-          <p:cNvPr id="3" name="Inhaltsplatzhalter 2">
-            <a:extLst>
-              <a:ext uri="{FF2B5EF4-FFF2-40B4-BE49-F238E27FC236}">
-                <a16:creationId xmlns:a16="http://schemas.microsoft.com/office/drawing/2014/main" id="{DCD714F4-40F0-4F79-AAE9-C2031E6CD4DB}"/>
-              </a:ext>
-            </a:extLst>
-          </p:cNvPr>
-          <p:cNvSpPr>
-            <a:spLocks noGrp="1"/>
-          </p:cNvSpPr>
-          <p:nvPr>
-            <p:ph idx="1"/>
-          </p:nvPr>
-        </p:nvSpPr>
-        <p:spPr/>
-        <p:txBody>
-          <a:bodyPr/>
-          <a:lstStyle/>
-          <a:p>
-            <a:endParaRPr lang="de-DE" dirty="0"/>
-          </a:p>
-        </p:txBody>
-      </p:sp>
-    </p:spTree>
-    <p:extLst>
-      <p:ext uri="{BB962C8B-B14F-4D97-AF65-F5344CB8AC3E}">
-        <p14:creationId xmlns:p14="http://schemas.microsoft.com/office/powerpoint/2010/main" val="2494870164"/>
-      </p:ext>
-    </p:extLst>
-  </p:cSld>
-  <p:clrMapOvr>
-    <a:masterClrMapping/>
-  </p:clrMapOvr>
-</p:sld>
-</file>
-
-<file path=ppt/slides/slide9.xml><?xml version="1.0" encoding="utf-8"?>
-<p:sld xmlns:a="http://schemas.openxmlformats.org/drawingml/2006/main" xmlns:r="http://schemas.openxmlformats.org/officeDocument/2006/relationships" xmlns:p="http://schemas.openxmlformats.org/presentationml/2006/main">
-  <p:cSld>
-    <p:spTree>
-      <p:nvGrpSpPr>
-        <p:cNvPr id="1" name=""/>
-        <p:cNvGrpSpPr/>
-        <p:nvPr/>
-      </p:nvGrpSpPr>
-      <p:grpSpPr>
-        <a:xfrm>
-          <a:off x="0" y="0"/>
-          <a:ext cx="0" cy="0"/>
-          <a:chOff x="0" y="0"/>
-          <a:chExt cx="0" cy="0"/>
-        </a:xfrm>
-      </p:grpSpPr>
-      <p:sp>
-        <p:nvSpPr>
-          <p:cNvPr id="2" name="Titel 1">
-            <a:extLst>
-              <a:ext uri="{FF2B5EF4-FFF2-40B4-BE49-F238E27FC236}">
-                <a16:creationId xmlns:a16="http://schemas.microsoft.com/office/drawing/2014/main" id="{7E187147-3E75-437A-9417-FA737509D3BF}"/>
-              </a:ext>
-            </a:extLst>
-          </p:cNvPr>
-          <p:cNvSpPr>
-            <a:spLocks noGrp="1"/>
-          </p:cNvSpPr>
-          <p:nvPr>
-            <p:ph type="title"/>
-          </p:nvPr>
-        </p:nvSpPr>
-        <p:spPr/>
-        <p:txBody>
-          <a:bodyPr/>
-          <a:lstStyle/>
-          <a:p>
-            <a:r>
-              <a:rPr lang="de-DE" dirty="0"/>
-              <a:t>Vus.js</a:t>
-            </a:r>
-          </a:p>
-        </p:txBody>
-      </p:sp>
-      <p:sp>
-        <p:nvSpPr>
-          <p:cNvPr id="3" name="Inhaltsplatzhalter 2">
-            <a:extLst>
-              <a:ext uri="{FF2B5EF4-FFF2-40B4-BE49-F238E27FC236}">
-                <a16:creationId xmlns:a16="http://schemas.microsoft.com/office/drawing/2014/main" id="{896A096A-AE3A-479B-8DE5-37B845C99D0E}"/>
-              </a:ext>
-            </a:extLst>
-          </p:cNvPr>
-          <p:cNvSpPr>
-            <a:spLocks noGrp="1"/>
-          </p:cNvSpPr>
-          <p:nvPr>
-            <p:ph idx="1"/>
-          </p:nvPr>
-        </p:nvSpPr>
-        <p:spPr/>
-        <p:txBody>
-          <a:bodyPr/>
-          <a:lstStyle/>
-          <a:p>
-            <a:endParaRPr lang="de-DE"/>
-          </a:p>
-        </p:txBody>
-      </p:sp>
-    </p:spTree>
-    <p:extLst>
-      <p:ext uri="{BB962C8B-B14F-4D97-AF65-F5344CB8AC3E}">
-        <p14:creationId xmlns:p14="http://schemas.microsoft.com/office/powerpoint/2010/main" val="613475701"/>
       </p:ext>
     </p:extLst>
   </p:cSld>

--- a/stonehengeChromely.pptx
+++ b/stonehengeChromely.pptx
@@ -226,7 +226,7 @@
           <a:p>
             <a:fld id="{48876805-D814-49AD-A4D2-A14BF4375319}" type="datetimeFigureOut">
               <a:rPr lang="de-DE" smtClean="0"/>
-              <a:t>03.07.2019</a:t>
+              <a:t>18.07.2019</a:t>
             </a:fld>
             <a:endParaRPr lang="de-DE"/>
           </a:p>
@@ -3349,7 +3349,7 @@
           <a:p>
             <a:fld id="{79FE5C41-353F-4262-932C-7692C85C322C}" type="datetimeFigureOut">
               <a:rPr lang="de-DE" smtClean="0"/>
-              <a:t>03.07.2019</a:t>
+              <a:t>18.07.2019</a:t>
             </a:fld>
             <a:endParaRPr lang="de-DE"/>
           </a:p>
@@ -3547,7 +3547,7 @@
           <a:p>
             <a:fld id="{79FE5C41-353F-4262-932C-7692C85C322C}" type="datetimeFigureOut">
               <a:rPr lang="de-DE" smtClean="0"/>
-              <a:t>03.07.2019</a:t>
+              <a:t>18.07.2019</a:t>
             </a:fld>
             <a:endParaRPr lang="de-DE"/>
           </a:p>
@@ -3755,7 +3755,7 @@
           <a:p>
             <a:fld id="{79FE5C41-353F-4262-932C-7692C85C322C}" type="datetimeFigureOut">
               <a:rPr lang="de-DE" smtClean="0"/>
-              <a:t>03.07.2019</a:t>
+              <a:t>18.07.2019</a:t>
             </a:fld>
             <a:endParaRPr lang="de-DE"/>
           </a:p>
@@ -3953,7 +3953,7 @@
           <a:p>
             <a:fld id="{79FE5C41-353F-4262-932C-7692C85C322C}" type="datetimeFigureOut">
               <a:rPr lang="de-DE" smtClean="0"/>
-              <a:t>03.07.2019</a:t>
+              <a:t>18.07.2019</a:t>
             </a:fld>
             <a:endParaRPr lang="de-DE"/>
           </a:p>
@@ -4228,7 +4228,7 @@
           <a:p>
             <a:fld id="{79FE5C41-353F-4262-932C-7692C85C322C}" type="datetimeFigureOut">
               <a:rPr lang="de-DE" smtClean="0"/>
-              <a:t>03.07.2019</a:t>
+              <a:t>18.07.2019</a:t>
             </a:fld>
             <a:endParaRPr lang="de-DE"/>
           </a:p>
@@ -4493,7 +4493,7 @@
           <a:p>
             <a:fld id="{79FE5C41-353F-4262-932C-7692C85C322C}" type="datetimeFigureOut">
               <a:rPr lang="de-DE" smtClean="0"/>
-              <a:t>03.07.2019</a:t>
+              <a:t>18.07.2019</a:t>
             </a:fld>
             <a:endParaRPr lang="de-DE"/>
           </a:p>
@@ -4905,7 +4905,7 @@
           <a:p>
             <a:fld id="{79FE5C41-353F-4262-932C-7692C85C322C}" type="datetimeFigureOut">
               <a:rPr lang="de-DE" smtClean="0"/>
-              <a:t>03.07.2019</a:t>
+              <a:t>18.07.2019</a:t>
             </a:fld>
             <a:endParaRPr lang="de-DE"/>
           </a:p>
@@ -5046,7 +5046,7 @@
           <a:p>
             <a:fld id="{79FE5C41-353F-4262-932C-7692C85C322C}" type="datetimeFigureOut">
               <a:rPr lang="de-DE" smtClean="0"/>
-              <a:t>03.07.2019</a:t>
+              <a:t>18.07.2019</a:t>
             </a:fld>
             <a:endParaRPr lang="de-DE"/>
           </a:p>
@@ -5159,7 +5159,7 @@
           <a:p>
             <a:fld id="{79FE5C41-353F-4262-932C-7692C85C322C}" type="datetimeFigureOut">
               <a:rPr lang="de-DE" smtClean="0"/>
-              <a:t>03.07.2019</a:t>
+              <a:t>18.07.2019</a:t>
             </a:fld>
             <a:endParaRPr lang="de-DE"/>
           </a:p>
@@ -5470,7 +5470,7 @@
           <a:p>
             <a:fld id="{79FE5C41-353F-4262-932C-7692C85C322C}" type="datetimeFigureOut">
               <a:rPr lang="de-DE" smtClean="0"/>
-              <a:t>03.07.2019</a:t>
+              <a:t>18.07.2019</a:t>
             </a:fld>
             <a:endParaRPr lang="de-DE"/>
           </a:p>
@@ -5758,7 +5758,7 @@
           <a:p>
             <a:fld id="{79FE5C41-353F-4262-932C-7692C85C322C}" type="datetimeFigureOut">
               <a:rPr lang="de-DE" smtClean="0"/>
-              <a:t>03.07.2019</a:t>
+              <a:t>18.07.2019</a:t>
             </a:fld>
             <a:endParaRPr lang="de-DE"/>
           </a:p>
@@ -5999,7 +5999,7 @@
           <a:p>
             <a:fld id="{79FE5C41-353F-4262-932C-7692C85C322C}" type="datetimeFigureOut">
               <a:rPr lang="de-DE" smtClean="0"/>
-              <a:t>03.07.2019</a:t>
+              <a:t>18.07.2019</a:t>
             </a:fld>
             <a:endParaRPr lang="de-DE"/>
           </a:p>
@@ -9348,6 +9348,20 @@
               <a:rPr lang="de-DE" dirty="0" err="1"/>
               <a:t>handling</a:t>
             </a:r>
+            <a:endParaRPr lang="de-DE" dirty="0"/>
+          </a:p>
+          <a:p>
+            <a:r>
+              <a:rPr lang="de-DE" dirty="0"/>
+              <a:t>DI Container _</a:t>
+            </a:r>
+            <a:r>
+              <a:rPr lang="de-DE" dirty="0" err="1"/>
+              <a:t>loader.Services</a:t>
+            </a:r>
+            <a:endParaRPr lang="de-DE"/>
+          </a:p>
+          <a:p>
             <a:endParaRPr lang="de-DE" dirty="0"/>
           </a:p>
           <a:p>

--- a/stonehengeChromely.pptx
+++ b/stonehengeChromely.pptx
@@ -226,7 +226,7 @@
           <a:p>
             <a:fld id="{48876805-D814-49AD-A4D2-A14BF4375319}" type="datetimeFigureOut">
               <a:rPr lang="de-DE" smtClean="0"/>
-              <a:t>18.07.2019</a:t>
+              <a:t>22.08.2019</a:t>
             </a:fld>
             <a:endParaRPr lang="de-DE"/>
           </a:p>
@@ -3349,7 +3349,7 @@
           <a:p>
             <a:fld id="{79FE5C41-353F-4262-932C-7692C85C322C}" type="datetimeFigureOut">
               <a:rPr lang="de-DE" smtClean="0"/>
-              <a:t>18.07.2019</a:t>
+              <a:t>22.08.2019</a:t>
             </a:fld>
             <a:endParaRPr lang="de-DE"/>
           </a:p>
@@ -3547,7 +3547,7 @@
           <a:p>
             <a:fld id="{79FE5C41-353F-4262-932C-7692C85C322C}" type="datetimeFigureOut">
               <a:rPr lang="de-DE" smtClean="0"/>
-              <a:t>18.07.2019</a:t>
+              <a:t>22.08.2019</a:t>
             </a:fld>
             <a:endParaRPr lang="de-DE"/>
           </a:p>
@@ -3755,7 +3755,7 @@
           <a:p>
             <a:fld id="{79FE5C41-353F-4262-932C-7692C85C322C}" type="datetimeFigureOut">
               <a:rPr lang="de-DE" smtClean="0"/>
-              <a:t>18.07.2019</a:t>
+              <a:t>22.08.2019</a:t>
             </a:fld>
             <a:endParaRPr lang="de-DE"/>
           </a:p>
@@ -3953,7 +3953,7 @@
           <a:p>
             <a:fld id="{79FE5C41-353F-4262-932C-7692C85C322C}" type="datetimeFigureOut">
               <a:rPr lang="de-DE" smtClean="0"/>
-              <a:t>18.07.2019</a:t>
+              <a:t>22.08.2019</a:t>
             </a:fld>
             <a:endParaRPr lang="de-DE"/>
           </a:p>
@@ -4228,7 +4228,7 @@
           <a:p>
             <a:fld id="{79FE5C41-353F-4262-932C-7692C85C322C}" type="datetimeFigureOut">
               <a:rPr lang="de-DE" smtClean="0"/>
-              <a:t>18.07.2019</a:t>
+              <a:t>22.08.2019</a:t>
             </a:fld>
             <a:endParaRPr lang="de-DE"/>
           </a:p>
@@ -4493,7 +4493,7 @@
           <a:p>
             <a:fld id="{79FE5C41-353F-4262-932C-7692C85C322C}" type="datetimeFigureOut">
               <a:rPr lang="de-DE" smtClean="0"/>
-              <a:t>18.07.2019</a:t>
+              <a:t>22.08.2019</a:t>
             </a:fld>
             <a:endParaRPr lang="de-DE"/>
           </a:p>
@@ -4905,7 +4905,7 @@
           <a:p>
             <a:fld id="{79FE5C41-353F-4262-932C-7692C85C322C}" type="datetimeFigureOut">
               <a:rPr lang="de-DE" smtClean="0"/>
-              <a:t>18.07.2019</a:t>
+              <a:t>22.08.2019</a:t>
             </a:fld>
             <a:endParaRPr lang="de-DE"/>
           </a:p>
@@ -5046,7 +5046,7 @@
           <a:p>
             <a:fld id="{79FE5C41-353F-4262-932C-7692C85C322C}" type="datetimeFigureOut">
               <a:rPr lang="de-DE" smtClean="0"/>
-              <a:t>18.07.2019</a:t>
+              <a:t>22.08.2019</a:t>
             </a:fld>
             <a:endParaRPr lang="de-DE"/>
           </a:p>
@@ -5159,7 +5159,7 @@
           <a:p>
             <a:fld id="{79FE5C41-353F-4262-932C-7692C85C322C}" type="datetimeFigureOut">
               <a:rPr lang="de-DE" smtClean="0"/>
-              <a:t>18.07.2019</a:t>
+              <a:t>22.08.2019</a:t>
             </a:fld>
             <a:endParaRPr lang="de-DE"/>
           </a:p>
@@ -5470,7 +5470,7 @@
           <a:p>
             <a:fld id="{79FE5C41-353F-4262-932C-7692C85C322C}" type="datetimeFigureOut">
               <a:rPr lang="de-DE" smtClean="0"/>
-              <a:t>18.07.2019</a:t>
+              <a:t>22.08.2019</a:t>
             </a:fld>
             <a:endParaRPr lang="de-DE"/>
           </a:p>
@@ -5758,7 +5758,7 @@
           <a:p>
             <a:fld id="{79FE5C41-353F-4262-932C-7692C85C322C}" type="datetimeFigureOut">
               <a:rPr lang="de-DE" smtClean="0"/>
-              <a:t>18.07.2019</a:t>
+              <a:t>22.08.2019</a:t>
             </a:fld>
             <a:endParaRPr lang="de-DE"/>
           </a:p>
@@ -5999,7 +5999,7 @@
           <a:p>
             <a:fld id="{79FE5C41-353F-4262-932C-7692C85C322C}" type="datetimeFigureOut">
               <a:rPr lang="de-DE" smtClean="0"/>
-              <a:t>18.07.2019</a:t>
+              <a:t>22.08.2019</a:t>
             </a:fld>
             <a:endParaRPr lang="de-DE"/>
           </a:p>
@@ -7753,24 +7753,6 @@
                 </a:solidFill>
                 <a:latin typeface="SFMono-Regular"/>
               </a:rPr>
-              <a:t>"Sample"</a:t>
-            </a:r>
-            <a:r>
-              <a:rPr lang="de-DE" altLang="de-DE" sz="2000" dirty="0">
-                <a:solidFill>
-                  <a:srgbClr val="24292E"/>
-                </a:solidFill>
-                <a:latin typeface="SFMono-Regular"/>
-              </a:rPr>
-              <a:t>, </a:t>
-            </a:r>
-            <a:r>
-              <a:rPr lang="de-DE" altLang="de-DE" sz="2000" dirty="0">
-                <a:solidFill>
-                  <a:srgbClr val="032F62"/>
-                </a:solidFill>
-                <a:latin typeface="SFMono-Regular"/>
-              </a:rPr>
               <a:t>"</a:t>
             </a:r>
             <a:r>
@@ -13135,6 +13117,11 @@
               </a:rPr>
               <a:t> 			</a:t>
             </a:r>
+          </a:p>
+          <a:p>
+            <a:pPr marL="0" indent="0">
+              <a:buNone/>
+            </a:pPr>
             <a:r>
               <a:rPr lang="en-US" sz="1900" dirty="0">
                 <a:solidFill>
@@ -13142,7 +13129,7 @@
                 </a:solidFill>
                 <a:latin typeface="Roboto Mono"/>
               </a:rPr>
-              <a:t>&lt;span&gt;</a:t>
+              <a:t>      &lt;span&gt;</a:t>
             </a:r>
             <a:r>
               <a:rPr lang="en-US" sz="1900" dirty="0">

--- a/stonehengeChromely.pptx
+++ b/stonehengeChromely.pptx
@@ -226,7 +226,7 @@
           <a:p>
             <a:fld id="{48876805-D814-49AD-A4D2-A14BF4375319}" type="datetimeFigureOut">
               <a:rPr lang="de-DE" smtClean="0"/>
-              <a:t>22.08.2019</a:t>
+              <a:t>07.09.2019</a:t>
             </a:fld>
             <a:endParaRPr lang="de-DE"/>
           </a:p>
@@ -3349,7 +3349,7 @@
           <a:p>
             <a:fld id="{79FE5C41-353F-4262-932C-7692C85C322C}" type="datetimeFigureOut">
               <a:rPr lang="de-DE" smtClean="0"/>
-              <a:t>22.08.2019</a:t>
+              <a:t>07.09.2019</a:t>
             </a:fld>
             <a:endParaRPr lang="de-DE"/>
           </a:p>
@@ -3547,7 +3547,7 @@
           <a:p>
             <a:fld id="{79FE5C41-353F-4262-932C-7692C85C322C}" type="datetimeFigureOut">
               <a:rPr lang="de-DE" smtClean="0"/>
-              <a:t>22.08.2019</a:t>
+              <a:t>07.09.2019</a:t>
             </a:fld>
             <a:endParaRPr lang="de-DE"/>
           </a:p>
@@ -3755,7 +3755,7 @@
           <a:p>
             <a:fld id="{79FE5C41-353F-4262-932C-7692C85C322C}" type="datetimeFigureOut">
               <a:rPr lang="de-DE" smtClean="0"/>
-              <a:t>22.08.2019</a:t>
+              <a:t>07.09.2019</a:t>
             </a:fld>
             <a:endParaRPr lang="de-DE"/>
           </a:p>
@@ -3953,7 +3953,7 @@
           <a:p>
             <a:fld id="{79FE5C41-353F-4262-932C-7692C85C322C}" type="datetimeFigureOut">
               <a:rPr lang="de-DE" smtClean="0"/>
-              <a:t>22.08.2019</a:t>
+              <a:t>07.09.2019</a:t>
             </a:fld>
             <a:endParaRPr lang="de-DE"/>
           </a:p>
@@ -4228,7 +4228,7 @@
           <a:p>
             <a:fld id="{79FE5C41-353F-4262-932C-7692C85C322C}" type="datetimeFigureOut">
               <a:rPr lang="de-DE" smtClean="0"/>
-              <a:t>22.08.2019</a:t>
+              <a:t>07.09.2019</a:t>
             </a:fld>
             <a:endParaRPr lang="de-DE"/>
           </a:p>
@@ -4493,7 +4493,7 @@
           <a:p>
             <a:fld id="{79FE5C41-353F-4262-932C-7692C85C322C}" type="datetimeFigureOut">
               <a:rPr lang="de-DE" smtClean="0"/>
-              <a:t>22.08.2019</a:t>
+              <a:t>07.09.2019</a:t>
             </a:fld>
             <a:endParaRPr lang="de-DE"/>
           </a:p>
@@ -4905,7 +4905,7 @@
           <a:p>
             <a:fld id="{79FE5C41-353F-4262-932C-7692C85C322C}" type="datetimeFigureOut">
               <a:rPr lang="de-DE" smtClean="0"/>
-              <a:t>22.08.2019</a:t>
+              <a:t>07.09.2019</a:t>
             </a:fld>
             <a:endParaRPr lang="de-DE"/>
           </a:p>
@@ -5046,7 +5046,7 @@
           <a:p>
             <a:fld id="{79FE5C41-353F-4262-932C-7692C85C322C}" type="datetimeFigureOut">
               <a:rPr lang="de-DE" smtClean="0"/>
-              <a:t>22.08.2019</a:t>
+              <a:t>07.09.2019</a:t>
             </a:fld>
             <a:endParaRPr lang="de-DE"/>
           </a:p>
@@ -5159,7 +5159,7 @@
           <a:p>
             <a:fld id="{79FE5C41-353F-4262-932C-7692C85C322C}" type="datetimeFigureOut">
               <a:rPr lang="de-DE" smtClean="0"/>
-              <a:t>22.08.2019</a:t>
+              <a:t>07.09.2019</a:t>
             </a:fld>
             <a:endParaRPr lang="de-DE"/>
           </a:p>
@@ -5470,7 +5470,7 @@
           <a:p>
             <a:fld id="{79FE5C41-353F-4262-932C-7692C85C322C}" type="datetimeFigureOut">
               <a:rPr lang="de-DE" smtClean="0"/>
-              <a:t>22.08.2019</a:t>
+              <a:t>07.09.2019</a:t>
             </a:fld>
             <a:endParaRPr lang="de-DE"/>
           </a:p>
@@ -5758,7 +5758,7 @@
           <a:p>
             <a:fld id="{79FE5C41-353F-4262-932C-7692C85C322C}" type="datetimeFigureOut">
               <a:rPr lang="de-DE" smtClean="0"/>
-              <a:t>22.08.2019</a:t>
+              <a:t>07.09.2019</a:t>
             </a:fld>
             <a:endParaRPr lang="de-DE"/>
           </a:p>
@@ -5999,7 +5999,7 @@
           <a:p>
             <a:fld id="{79FE5C41-353F-4262-932C-7692C85C322C}" type="datetimeFigureOut">
               <a:rPr lang="de-DE" smtClean="0"/>
-              <a:t>22.08.2019</a:t>
+              <a:t>07.09.2019</a:t>
             </a:fld>
             <a:endParaRPr lang="de-DE"/>
           </a:p>
@@ -9267,6 +9267,34 @@
           <a:p>
             <a:r>
               <a:rPr lang="de-DE" dirty="0"/>
+              <a:t>Ersetzungen in index.html</a:t>
+            </a:r>
+          </a:p>
+          <a:p>
+            <a:pPr lvl="1"/>
+            <a:r>
+              <a:rPr lang="de-DE" dirty="0"/>
+              <a:t>{.min}</a:t>
+            </a:r>
+          </a:p>
+          <a:p>
+            <a:pPr lvl="1"/>
+            <a:r>
+              <a:rPr lang="de-DE" dirty="0"/>
+              <a:t>{{</a:t>
+            </a:r>
+            <a:r>
+              <a:rPr lang="de-DE"/>
+              <a:t>template</a:t>
+            </a:r>
+            <a:r>
+              <a:rPr lang="de-DE" dirty="0"/>
+              <a:t>}}</a:t>
+            </a:r>
+          </a:p>
+          <a:p>
+            <a:r>
+              <a:rPr lang="de-DE" dirty="0"/>
               <a:t>/</a:t>
             </a:r>
             <a:r>
@@ -9341,7 +9369,7 @@
               <a:rPr lang="de-DE" dirty="0" err="1"/>
               <a:t>loader.Services</a:t>
             </a:r>
-            <a:endParaRPr lang="de-DE"/>
+            <a:endParaRPr lang="de-DE" dirty="0"/>
           </a:p>
           <a:p>
             <a:endParaRPr lang="de-DE" dirty="0"/>
